--- a/final-project/1/final project proposals.pptx
+++ b/final-project/1/final project proposals.pptx
@@ -1,26 +1,26 @@
 
 <file path=ppt/presentation.xml><?xml version="1.0" encoding="utf-8"?>
-<p:presentation xmlns:a="http://schemas.openxmlformats.org/drawingml/2006/main" xmlns:r="http://schemas.openxmlformats.org/officeDocument/2006/relationships" xmlns:p="http://schemas.openxmlformats.org/presentationml/2006/main">
+<p:presentation xmlns:a="http://schemas.openxmlformats.org/drawingml/2006/main" xmlns:r="http://schemas.openxmlformats.org/officeDocument/2006/relationships" xmlns:p="http://schemas.openxmlformats.org/presentationml/2006/main" saveSubsetFonts="1">
   <p:sldMasterIdLst>
-    <p:sldMasterId id="2147483648" r:id="rId5"/>
+    <p:sldMasterId id="2147483648" r:id="rId1"/>
   </p:sldMasterIdLst>
   <p:notesMasterIdLst>
-    <p:notesMasterId r:id="rId7"/>
+    <p:notesMasterId r:id="rId15"/>
   </p:notesMasterIdLst>
   <p:sldIdLst>
-    <p:sldId id="256" r:id="rId8"/>
-    <p:sldId id="257" r:id="rId9"/>
-    <p:sldId id="258" r:id="rId10"/>
-    <p:sldId id="259" r:id="rId11"/>
-    <p:sldId id="260" r:id="rId12"/>
-    <p:sldId id="261" r:id="rId13"/>
-    <p:sldId id="262" r:id="rId14"/>
-    <p:sldId id="263" r:id="rId15"/>
-    <p:sldId id="264" r:id="rId16"/>
-    <p:sldId id="265" r:id="rId17"/>
-    <p:sldId id="266" r:id="rId18"/>
-    <p:sldId id="267" r:id="rId19"/>
-    <p:sldId id="268" r:id="rId20"/>
+    <p:sldId id="256" r:id="rId2"/>
+    <p:sldId id="257" r:id="rId3"/>
+    <p:sldId id="258" r:id="rId4"/>
+    <p:sldId id="259" r:id="rId5"/>
+    <p:sldId id="260" r:id="rId6"/>
+    <p:sldId id="261" r:id="rId7"/>
+    <p:sldId id="262" r:id="rId8"/>
+    <p:sldId id="263" r:id="rId9"/>
+    <p:sldId id="264" r:id="rId10"/>
+    <p:sldId id="265" r:id="rId11"/>
+    <p:sldId id="266" r:id="rId12"/>
+    <p:sldId id="267" r:id="rId13"/>
+    <p:sldId id="268" r:id="rId14"/>
   </p:sldIdLst>
   <p:sldSz cx="13004800" cy="9753600"/>
   <p:notesSz cx="6858000" cy="9144000"/>
@@ -40,7 +40,7 @@
       <a:buFontTx/>
       <a:buNone/>
       <a:tabLst/>
-      <a:defRPr b="0" baseline="0" cap="none" i="0" spc="0" strike="noStrike" sz="1800" u="none" kumimoji="0" normalizeH="0">
+      <a:defRPr kumimoji="0" sz="1800" b="0" i="0" u="none" strike="noStrike" cap="none" spc="0" normalizeH="0" baseline="0">
         <a:ln>
           <a:noFill/>
         </a:ln>
@@ -66,7 +66,7 @@
       <a:buFontTx/>
       <a:buNone/>
       <a:tabLst/>
-      <a:defRPr b="0" baseline="0" cap="none" i="0" spc="0" strike="noStrike" sz="3600" u="none" kumimoji="0" normalizeH="0">
+      <a:defRPr kumimoji="0" sz="3600" b="0" i="0" u="none" strike="noStrike" cap="none" spc="0" normalizeH="0" baseline="0">
         <a:ln>
           <a:noFill/>
         </a:ln>
@@ -96,7 +96,7 @@
       <a:buFontTx/>
       <a:buNone/>
       <a:tabLst/>
-      <a:defRPr b="0" baseline="0" cap="none" i="0" spc="0" strike="noStrike" sz="3600" u="none" kumimoji="0" normalizeH="0">
+      <a:defRPr kumimoji="0" sz="3600" b="0" i="0" u="none" strike="noStrike" cap="none" spc="0" normalizeH="0" baseline="0">
         <a:ln>
           <a:noFill/>
         </a:ln>
@@ -126,7 +126,7 @@
       <a:buFontTx/>
       <a:buNone/>
       <a:tabLst/>
-      <a:defRPr b="0" baseline="0" cap="none" i="0" spc="0" strike="noStrike" sz="3600" u="none" kumimoji="0" normalizeH="0">
+      <a:defRPr kumimoji="0" sz="3600" b="0" i="0" u="none" strike="noStrike" cap="none" spc="0" normalizeH="0" baseline="0">
         <a:ln>
           <a:noFill/>
         </a:ln>
@@ -156,7 +156,7 @@
       <a:buFontTx/>
       <a:buNone/>
       <a:tabLst/>
-      <a:defRPr b="0" baseline="0" cap="none" i="0" spc="0" strike="noStrike" sz="3600" u="none" kumimoji="0" normalizeH="0">
+      <a:defRPr kumimoji="0" sz="3600" b="0" i="0" u="none" strike="noStrike" cap="none" spc="0" normalizeH="0" baseline="0">
         <a:ln>
           <a:noFill/>
         </a:ln>
@@ -186,7 +186,7 @@
       <a:buFontTx/>
       <a:buNone/>
       <a:tabLst/>
-      <a:defRPr b="0" baseline="0" cap="none" i="0" spc="0" strike="noStrike" sz="3600" u="none" kumimoji="0" normalizeH="0">
+      <a:defRPr kumimoji="0" sz="3600" b="0" i="0" u="none" strike="noStrike" cap="none" spc="0" normalizeH="0" baseline="0">
         <a:ln>
           <a:noFill/>
         </a:ln>
@@ -216,7 +216,7 @@
       <a:buFontTx/>
       <a:buNone/>
       <a:tabLst/>
-      <a:defRPr b="0" baseline="0" cap="none" i="0" spc="0" strike="noStrike" sz="3600" u="none" kumimoji="0" normalizeH="0">
+      <a:defRPr kumimoji="0" sz="3600" b="0" i="0" u="none" strike="noStrike" cap="none" spc="0" normalizeH="0" baseline="0">
         <a:ln>
           <a:noFill/>
         </a:ln>
@@ -246,7 +246,7 @@
       <a:buFontTx/>
       <a:buNone/>
       <a:tabLst/>
-      <a:defRPr b="0" baseline="0" cap="none" i="0" spc="0" strike="noStrike" sz="3600" u="none" kumimoji="0" normalizeH="0">
+      <a:defRPr kumimoji="0" sz="3600" b="0" i="0" u="none" strike="noStrike" cap="none" spc="0" normalizeH="0" baseline="0">
         <a:ln>
           <a:noFill/>
         </a:ln>
@@ -276,7 +276,7 @@
       <a:buFontTx/>
       <a:buNone/>
       <a:tabLst/>
-      <a:defRPr b="0" baseline="0" cap="none" i="0" spc="0" strike="noStrike" sz="3600" u="none" kumimoji="0" normalizeH="0">
+      <a:defRPr kumimoji="0" sz="3600" b="0" i="0" u="none" strike="noStrike" cap="none" spc="0" normalizeH="0" baseline="0">
         <a:ln>
           <a:noFill/>
         </a:ln>
@@ -306,7 +306,7 @@
       <a:buFontTx/>
       <a:buNone/>
       <a:tabLst/>
-      <a:defRPr b="0" baseline="0" cap="none" i="0" spc="0" strike="noStrike" sz="3600" u="none" kumimoji="0" normalizeH="0">
+      <a:defRPr kumimoji="0" sz="3600" b="0" i="0" u="none" strike="noStrike" cap="none" spc="0" normalizeH="0" baseline="0">
         <a:ln>
           <a:noFill/>
         </a:ln>
@@ -325,13 +325,14 @@
 </p:presentation>
 </file>
 
-<file path=ppt/commentAuthors.xml><?xml version="1.0" encoding="utf-8"?>
-<p:cmAuthorLst xmlns:a="http://schemas.openxmlformats.org/drawingml/2006/main" xmlns:r="http://schemas.openxmlformats.org/officeDocument/2006/relationships" xmlns:p="http://schemas.openxmlformats.org/presentationml/2006/main"/>
-</file>
-
 <file path=ppt/notesMasters/notesMaster1.xml><?xml version="1.0" encoding="utf-8"?>
 <p:notesMaster xmlns:a="http://schemas.openxmlformats.org/drawingml/2006/main" xmlns:r="http://schemas.openxmlformats.org/officeDocument/2006/relationships" xmlns:p="http://schemas.openxmlformats.org/presentationml/2006/main">
   <p:cSld>
+    <p:bg>
+      <p:bgRef idx="1001">
+        <a:schemeClr val="bg1"/>
+      </p:bgRef>
+    </p:bg>
     <p:spTree>
       <p:nvGrpSpPr>
         <p:cNvPr id="1" name=""/>
@@ -349,7 +350,9 @@
       <p:sp>
         <p:nvSpPr>
           <p:cNvPr id="116" name="Shape 116"/>
-          <p:cNvSpPr/>
+          <p:cNvSpPr>
+            <a:spLocks noGrp="1" noRot="1" noChangeAspect="1"/>
+          </p:cNvSpPr>
           <p:nvPr>
             <p:ph type="sldImg"/>
           </p:nvPr>
@@ -367,14 +370,16 @@
           <a:bodyPr/>
           <a:lstStyle/>
           <a:p>
-            <a:pPr/>
+            <a:endParaRPr/>
           </a:p>
         </p:txBody>
       </p:sp>
       <p:sp>
         <p:nvSpPr>
           <p:cNvPr id="117" name="Shape 117"/>
-          <p:cNvSpPr/>
+          <p:cNvSpPr>
+            <a:spLocks noGrp="1"/>
+          </p:cNvSpPr>
           <p:nvPr>
             <p:ph type="body" sz="quarter" idx="1"/>
           </p:nvPr>
@@ -392,11 +397,16 @@
           <a:bodyPr/>
           <a:lstStyle/>
           <a:p>
-            <a:pPr/>
+            <a:endParaRPr/>
           </a:p>
         </p:txBody>
       </p:sp>
     </p:spTree>
+    <p:extLst>
+      <p:ext uri="{BB962C8B-B14F-4D97-AF65-F5344CB8AC3E}">
+        <p14:creationId xmlns:p14="http://schemas.microsoft.com/office/powerpoint/2010/main" val="1804289383"/>
+      </p:ext>
+    </p:extLst>
   </p:cSld>
   <p:clrMap bg1="lt1" tx1="dk1" bg2="lt2" tx2="dk2" accent1="accent1" accent2="accent2" accent3="accent3" accent4="accent4" accent5="accent5" accent6="accent6" hlink="hlink" folHlink="folHlink"/>
   <p:notesStyle>
@@ -503,8 +513,97 @@
 </p:notesMaster>
 </file>
 
+<file path=ppt/notesSlides/notesSlide1.xml><?xml version="1.0" encoding="utf-8"?>
+<p:notes xmlns:a="http://schemas.openxmlformats.org/drawingml/2006/main" xmlns:r="http://schemas.openxmlformats.org/officeDocument/2006/relationships" xmlns:p="http://schemas.openxmlformats.org/presentationml/2006/main">
+  <p:cSld>
+    <p:spTree>
+      <p:nvGrpSpPr>
+        <p:cNvPr id="1" name=""/>
+        <p:cNvGrpSpPr/>
+        <p:nvPr/>
+      </p:nvGrpSpPr>
+      <p:grpSpPr>
+        <a:xfrm>
+          <a:off x="0" y="0"/>
+          <a:ext cx="0" cy="0"/>
+          <a:chOff x="0" y="0"/>
+          <a:chExt cx="0" cy="0"/>
+        </a:xfrm>
+      </p:grpSpPr>
+      <p:sp>
+        <p:nvSpPr>
+          <p:cNvPr id="2" name="Slide Image Placeholder 1"/>
+          <p:cNvSpPr>
+            <a:spLocks noGrp="1" noRot="1" noChangeAspect="1"/>
+          </p:cNvSpPr>
+          <p:nvPr>
+            <p:ph type="sldImg"/>
+          </p:nvPr>
+        </p:nvSpPr>
+        <p:spPr/>
+      </p:sp>
+      <p:sp>
+        <p:nvSpPr>
+          <p:cNvPr id="3" name="Notes Placeholder 2"/>
+          <p:cNvSpPr>
+            <a:spLocks noGrp="1"/>
+          </p:cNvSpPr>
+          <p:nvPr>
+            <p:ph type="body" idx="1"/>
+          </p:nvPr>
+        </p:nvSpPr>
+        <p:spPr/>
+        <p:txBody>
+          <a:bodyPr/>
+          <a:lstStyle/>
+          <a:p>
+            <a:r>
+              <a:rPr lang="en-US" dirty="0" smtClean="0"/>
+              <a:t>Predict where the users groups are going (clustering – based on behavior).</a:t>
+            </a:r>
+            <a:r>
+              <a:rPr lang="en-US" baseline="0" dirty="0" smtClean="0"/>
+              <a:t> Classification, top 5, top 10 locations.</a:t>
+            </a:r>
+          </a:p>
+          <a:p>
+            <a:r>
+              <a:rPr lang="en-US" baseline="0" dirty="0" smtClean="0"/>
+              <a:t>Origin airport, destination airport code, numbers travelers, infants/children/adult/seniors, timeframe, booking window, (?)airline, packaging, loyalty member, paid in cash vs. paid </a:t>
+            </a:r>
+            <a:r>
+              <a:rPr lang="en-US" baseline="0" smtClean="0"/>
+              <a:t>in points</a:t>
+            </a:r>
+            <a:endParaRPr lang="en-US" baseline="0" dirty="0" smtClean="0"/>
+          </a:p>
+          <a:p>
+            <a:endParaRPr lang="en-US" baseline="0" dirty="0" smtClean="0"/>
+          </a:p>
+          <a:p>
+            <a:r>
+              <a:rPr lang="en-US" baseline="0" dirty="0" smtClean="0"/>
+              <a:t> </a:t>
+            </a:r>
+            <a:endParaRPr lang="en-US" dirty="0"/>
+          </a:p>
+        </p:txBody>
+      </p:sp>
+    </p:spTree>
+    <p:extLst>
+      <p:ext uri="{BB962C8B-B14F-4D97-AF65-F5344CB8AC3E}">
+        <p14:creationId xmlns:p14="http://schemas.microsoft.com/office/powerpoint/2010/main" val="1540383426"/>
+      </p:ext>
+    </p:extLst>
+  </p:cSld>
+  <p:clrMapOvr>
+    <a:masterClrMapping/>
+  </p:clrMapOvr>
+</p:notes>
+</file>
+
 <file path=ppt/slideLayouts/slideLayout1.xml><?xml version="1.0" encoding="utf-8"?>
-<p:sldLayout xmlns:a="http://schemas.openxmlformats.org/drawingml/2006/main" xmlns:r="http://schemas.openxmlformats.org/officeDocument/2006/relationships" xmlns:p="http://schemas.openxmlformats.org/presentationml/2006/main" type="title" showMasterSp="1" showMasterPhAnim="1">
+<p:sldLayout xmlns:a="http://schemas.openxmlformats.org/drawingml/2006/main" xmlns:r="http://schemas.openxmlformats.org/officeDocument/2006/relationships" xmlns:p="http://schemas.openxmlformats.org/presentationml/2006/main" type="title">
   <p:cSld name="Title &amp; Subtitle">
     <p:spTree>
       <p:nvGrpSpPr>
@@ -523,7 +622,9 @@
       <p:sp>
         <p:nvSpPr>
           <p:cNvPr id="11" name="Shape 11"/>
-          <p:cNvSpPr/>
+          <p:cNvSpPr>
+            <a:spLocks noGrp="1"/>
+          </p:cNvSpPr>
           <p:nvPr>
             <p:ph type="title"/>
           </p:nvPr>
@@ -541,7 +642,6 @@
           <a:bodyPr anchor="b"/>
           <a:lstStyle/>
           <a:p>
-            <a:pPr/>
             <a:r>
               <a:t>Title Text</a:t>
             </a:r>
@@ -551,7 +651,9 @@
       <p:sp>
         <p:nvSpPr>
           <p:cNvPr id="12" name="Shape 12"/>
-          <p:cNvSpPr/>
+          <p:cNvSpPr>
+            <a:spLocks noGrp="1"/>
+          </p:cNvSpPr>
           <p:nvPr>
             <p:ph type="body" sz="quarter" idx="1"/>
           </p:nvPr>
@@ -610,7 +712,6 @@
             </a:lvl5pPr>
           </a:lstStyle>
           <a:p>
-            <a:pPr/>
             <a:r>
               <a:t>Body Level One</a:t>
             </a:r>
@@ -644,7 +745,9 @@
       <p:sp>
         <p:nvSpPr>
           <p:cNvPr id="13" name="Shape 13"/>
-          <p:cNvSpPr/>
+          <p:cNvSpPr>
+            <a:spLocks noGrp="1"/>
+          </p:cNvSpPr>
           <p:nvPr>
             <p:ph type="sldNum" sz="quarter" idx="2"/>
           </p:nvPr>
@@ -658,8 +761,10 @@
           <a:bodyPr/>
           <a:lstStyle/>
           <a:p>
-            <a:pPr/>
-            <a:fld id="{86CB4B4D-7CA3-9044-876B-883B54F8677D}" type="slidenum"/>
+            <a:fld id="{86CB4B4D-7CA3-9044-876B-883B54F8677D}" type="slidenum">
+              <a:t>‹#›</a:t>
+            </a:fld>
+            <a:endParaRPr/>
           </a:p>
         </p:txBody>
       </p:sp>
@@ -668,12 +773,12 @@
   <p:clrMapOvr>
     <a:masterClrMapping/>
   </p:clrMapOvr>
-  <p:transition xmlns:p14="http://schemas.microsoft.com/office/powerpoint/2010/main" spd="med" advClick="1"/>
+  <p:transition spd="med"/>
 </p:sldLayout>
 </file>
 
 <file path=ppt/slideLayouts/slideLayout10.xml><?xml version="1.0" encoding="utf-8"?>
-<p:sldLayout xmlns:a="http://schemas.openxmlformats.org/drawingml/2006/main" xmlns:r="http://schemas.openxmlformats.org/officeDocument/2006/relationships" xmlns:p="http://schemas.openxmlformats.org/presentationml/2006/main" type="tx" showMasterSp="1" showMasterPhAnim="1">
+<p:sldLayout xmlns:a="http://schemas.openxmlformats.org/drawingml/2006/main" xmlns:r="http://schemas.openxmlformats.org/officeDocument/2006/relationships" xmlns:p="http://schemas.openxmlformats.org/presentationml/2006/main" type="tx">
   <p:cSld name="Quote">
     <p:spTree>
       <p:nvGrpSpPr>
@@ -692,7 +797,9 @@
       <p:sp>
         <p:nvSpPr>
           <p:cNvPr id="93" name="Shape 93"/>
-          <p:cNvSpPr/>
+          <p:cNvSpPr>
+            <a:spLocks noGrp="1"/>
+          </p:cNvSpPr>
           <p:nvPr>
             <p:ph type="body" sz="quarter" idx="13"/>
           </p:nvPr>
@@ -721,7 +828,6 @@
             </a:lvl1pPr>
           </a:lstStyle>
           <a:p>
-            <a:pPr/>
             <a:r>
               <a:t>–Johnny Appleseed</a:t>
             </a:r>
@@ -731,7 +837,9 @@
       <p:sp>
         <p:nvSpPr>
           <p:cNvPr id="94" name="Shape 94"/>
-          <p:cNvSpPr/>
+          <p:cNvSpPr>
+            <a:spLocks noGrp="1"/>
+          </p:cNvSpPr>
           <p:nvPr>
             <p:ph type="body" sz="quarter" idx="14"/>
           </p:nvPr>
@@ -760,7 +868,6 @@
             </a:lvl1pPr>
           </a:lstStyle>
           <a:p>
-            <a:pPr/>
             <a:r>
               <a:t>“Type a quote here.” </a:t>
             </a:r>
@@ -770,7 +877,9 @@
       <p:sp>
         <p:nvSpPr>
           <p:cNvPr id="95" name="Shape 95"/>
-          <p:cNvSpPr/>
+          <p:cNvSpPr>
+            <a:spLocks noGrp="1"/>
+          </p:cNvSpPr>
           <p:nvPr>
             <p:ph type="sldNum" sz="quarter" idx="2"/>
           </p:nvPr>
@@ -784,8 +893,10 @@
           <a:bodyPr/>
           <a:lstStyle/>
           <a:p>
-            <a:pPr/>
-            <a:fld id="{86CB4B4D-7CA3-9044-876B-883B54F8677D}" type="slidenum"/>
+            <a:fld id="{86CB4B4D-7CA3-9044-876B-883B54F8677D}" type="slidenum">
+              <a:t>‹#›</a:t>
+            </a:fld>
+            <a:endParaRPr/>
           </a:p>
         </p:txBody>
       </p:sp>
@@ -794,12 +905,12 @@
   <p:clrMapOvr>
     <a:masterClrMapping/>
   </p:clrMapOvr>
-  <p:transition xmlns:p14="http://schemas.microsoft.com/office/powerpoint/2010/main" spd="med" advClick="1"/>
+  <p:transition spd="med"/>
 </p:sldLayout>
 </file>
 
 <file path=ppt/slideLayouts/slideLayout11.xml><?xml version="1.0" encoding="utf-8"?>
-<p:sldLayout xmlns:a="http://schemas.openxmlformats.org/drawingml/2006/main" xmlns:r="http://schemas.openxmlformats.org/officeDocument/2006/relationships" xmlns:p="http://schemas.openxmlformats.org/presentationml/2006/main" type="tx" showMasterSp="1" showMasterPhAnim="1">
+<p:sldLayout xmlns:a="http://schemas.openxmlformats.org/drawingml/2006/main" xmlns:r="http://schemas.openxmlformats.org/officeDocument/2006/relationships" xmlns:p="http://schemas.openxmlformats.org/presentationml/2006/main" type="tx">
   <p:cSld name="Photo">
     <p:spTree>
       <p:nvGrpSpPr>
@@ -818,7 +929,9 @@
       <p:sp>
         <p:nvSpPr>
           <p:cNvPr id="102" name="Shape 102"/>
-          <p:cNvSpPr/>
+          <p:cNvSpPr>
+            <a:spLocks noGrp="1"/>
+          </p:cNvSpPr>
           <p:nvPr>
             <p:ph type="pic" idx="13"/>
           </p:nvPr>
@@ -838,14 +951,16 @@
           </a:bodyPr>
           <a:lstStyle/>
           <a:p>
-            <a:pPr/>
+            <a:endParaRPr/>
           </a:p>
         </p:txBody>
       </p:sp>
       <p:sp>
         <p:nvSpPr>
           <p:cNvPr id="103" name="Shape 103"/>
-          <p:cNvSpPr/>
+          <p:cNvSpPr>
+            <a:spLocks noGrp="1"/>
+          </p:cNvSpPr>
           <p:nvPr>
             <p:ph type="sldNum" sz="quarter" idx="2"/>
           </p:nvPr>
@@ -859,8 +974,10 @@
           <a:bodyPr/>
           <a:lstStyle/>
           <a:p>
-            <a:pPr/>
-            <a:fld id="{86CB4B4D-7CA3-9044-876B-883B54F8677D}" type="slidenum"/>
+            <a:fld id="{86CB4B4D-7CA3-9044-876B-883B54F8677D}" type="slidenum">
+              <a:t>‹#›</a:t>
+            </a:fld>
+            <a:endParaRPr/>
           </a:p>
         </p:txBody>
       </p:sp>
@@ -869,12 +986,12 @@
   <p:clrMapOvr>
     <a:masterClrMapping/>
   </p:clrMapOvr>
-  <p:transition xmlns:p14="http://schemas.microsoft.com/office/powerpoint/2010/main" spd="med" advClick="1"/>
+  <p:transition spd="med"/>
 </p:sldLayout>
 </file>
 
 <file path=ppt/slideLayouts/slideLayout12.xml><?xml version="1.0" encoding="utf-8"?>
-<p:sldLayout xmlns:a="http://schemas.openxmlformats.org/drawingml/2006/main" xmlns:r="http://schemas.openxmlformats.org/officeDocument/2006/relationships" xmlns:p="http://schemas.openxmlformats.org/presentationml/2006/main" type="tx" showMasterSp="1" showMasterPhAnim="1">
+<p:sldLayout xmlns:a="http://schemas.openxmlformats.org/drawingml/2006/main" xmlns:r="http://schemas.openxmlformats.org/officeDocument/2006/relationships" xmlns:p="http://schemas.openxmlformats.org/presentationml/2006/main" type="tx">
   <p:cSld name="Blank">
     <p:spTree>
       <p:nvGrpSpPr>
@@ -893,7 +1010,9 @@
       <p:sp>
         <p:nvSpPr>
           <p:cNvPr id="110" name="Shape 110"/>
-          <p:cNvSpPr/>
+          <p:cNvSpPr>
+            <a:spLocks noGrp="1"/>
+          </p:cNvSpPr>
           <p:nvPr>
             <p:ph type="sldNum" sz="quarter" idx="2"/>
           </p:nvPr>
@@ -907,8 +1026,10 @@
           <a:bodyPr/>
           <a:lstStyle/>
           <a:p>
-            <a:pPr/>
-            <a:fld id="{86CB4B4D-7CA3-9044-876B-883B54F8677D}" type="slidenum"/>
+            <a:fld id="{86CB4B4D-7CA3-9044-876B-883B54F8677D}" type="slidenum">
+              <a:t>‹#›</a:t>
+            </a:fld>
+            <a:endParaRPr/>
           </a:p>
         </p:txBody>
       </p:sp>
@@ -917,12 +1038,12 @@
   <p:clrMapOvr>
     <a:masterClrMapping/>
   </p:clrMapOvr>
-  <p:transition xmlns:p14="http://schemas.microsoft.com/office/powerpoint/2010/main" spd="med" advClick="1"/>
+  <p:transition spd="med"/>
 </p:sldLayout>
 </file>
 
 <file path=ppt/slideLayouts/slideLayout2.xml><?xml version="1.0" encoding="utf-8"?>
-<p:sldLayout xmlns:a="http://schemas.openxmlformats.org/drawingml/2006/main" xmlns:r="http://schemas.openxmlformats.org/officeDocument/2006/relationships" xmlns:p="http://schemas.openxmlformats.org/presentationml/2006/main" type="tx" showMasterSp="1" showMasterPhAnim="1">
+<p:sldLayout xmlns:a="http://schemas.openxmlformats.org/drawingml/2006/main" xmlns:r="http://schemas.openxmlformats.org/officeDocument/2006/relationships" xmlns:p="http://schemas.openxmlformats.org/presentationml/2006/main" type="tx">
   <p:cSld name="Photo - Horizontal">
     <p:spTree>
       <p:nvGrpSpPr>
@@ -941,7 +1062,9 @@
       <p:sp>
         <p:nvSpPr>
           <p:cNvPr id="20" name="Shape 20"/>
-          <p:cNvSpPr/>
+          <p:cNvSpPr>
+            <a:spLocks noGrp="1"/>
+          </p:cNvSpPr>
           <p:nvPr>
             <p:ph type="pic" idx="13"/>
           </p:nvPr>
@@ -961,14 +1084,16 @@
           </a:bodyPr>
           <a:lstStyle/>
           <a:p>
-            <a:pPr/>
+            <a:endParaRPr/>
           </a:p>
         </p:txBody>
       </p:sp>
       <p:sp>
         <p:nvSpPr>
           <p:cNvPr id="21" name="Shape 21"/>
-          <p:cNvSpPr/>
+          <p:cNvSpPr>
+            <a:spLocks noGrp="1"/>
+          </p:cNvSpPr>
           <p:nvPr>
             <p:ph type="title"/>
           </p:nvPr>
@@ -986,7 +1111,6 @@
           <a:bodyPr anchor="b"/>
           <a:lstStyle/>
           <a:p>
-            <a:pPr/>
             <a:r>
               <a:t>Title Text</a:t>
             </a:r>
@@ -996,7 +1120,9 @@
       <p:sp>
         <p:nvSpPr>
           <p:cNvPr id="22" name="Shape 22"/>
-          <p:cNvSpPr/>
+          <p:cNvSpPr>
+            <a:spLocks noGrp="1"/>
+          </p:cNvSpPr>
           <p:nvPr>
             <p:ph type="body" sz="quarter" idx="1"/>
           </p:nvPr>
@@ -1055,7 +1181,6 @@
             </a:lvl5pPr>
           </a:lstStyle>
           <a:p>
-            <a:pPr/>
             <a:r>
               <a:t>Body Level One</a:t>
             </a:r>
@@ -1089,7 +1214,9 @@
       <p:sp>
         <p:nvSpPr>
           <p:cNvPr id="23" name="Shape 23"/>
-          <p:cNvSpPr/>
+          <p:cNvSpPr>
+            <a:spLocks noGrp="1"/>
+          </p:cNvSpPr>
           <p:nvPr>
             <p:ph type="sldNum" sz="quarter" idx="2"/>
           </p:nvPr>
@@ -1107,8 +1234,10 @@
           <a:bodyPr/>
           <a:lstStyle/>
           <a:p>
-            <a:pPr/>
-            <a:fld id="{86CB4B4D-7CA3-9044-876B-883B54F8677D}" type="slidenum"/>
+            <a:fld id="{86CB4B4D-7CA3-9044-876B-883B54F8677D}" type="slidenum">
+              <a:t>‹#›</a:t>
+            </a:fld>
+            <a:endParaRPr/>
           </a:p>
         </p:txBody>
       </p:sp>
@@ -1117,12 +1246,12 @@
   <p:clrMapOvr>
     <a:masterClrMapping/>
   </p:clrMapOvr>
-  <p:transition xmlns:p14="http://schemas.microsoft.com/office/powerpoint/2010/main" spd="med" advClick="1"/>
+  <p:transition spd="med"/>
 </p:sldLayout>
 </file>
 
 <file path=ppt/slideLayouts/slideLayout3.xml><?xml version="1.0" encoding="utf-8"?>
-<p:sldLayout xmlns:a="http://schemas.openxmlformats.org/drawingml/2006/main" xmlns:r="http://schemas.openxmlformats.org/officeDocument/2006/relationships" xmlns:p="http://schemas.openxmlformats.org/presentationml/2006/main" type="tx" showMasterSp="1" showMasterPhAnim="1">
+<p:sldLayout xmlns:a="http://schemas.openxmlformats.org/drawingml/2006/main" xmlns:r="http://schemas.openxmlformats.org/officeDocument/2006/relationships" xmlns:p="http://schemas.openxmlformats.org/presentationml/2006/main" type="tx">
   <p:cSld name="Title - Center">
     <p:spTree>
       <p:nvGrpSpPr>
@@ -1141,7 +1270,9 @@
       <p:sp>
         <p:nvSpPr>
           <p:cNvPr id="30" name="Shape 30"/>
-          <p:cNvSpPr/>
+          <p:cNvSpPr>
+            <a:spLocks noGrp="1"/>
+          </p:cNvSpPr>
           <p:nvPr>
             <p:ph type="title"/>
           </p:nvPr>
@@ -1159,7 +1290,6 @@
           <a:bodyPr/>
           <a:lstStyle/>
           <a:p>
-            <a:pPr/>
             <a:r>
               <a:t>Title Text</a:t>
             </a:r>
@@ -1169,7 +1299,9 @@
       <p:sp>
         <p:nvSpPr>
           <p:cNvPr id="31" name="Shape 31"/>
-          <p:cNvSpPr/>
+          <p:cNvSpPr>
+            <a:spLocks noGrp="1"/>
+          </p:cNvSpPr>
           <p:nvPr>
             <p:ph type="sldNum" sz="quarter" idx="2"/>
           </p:nvPr>
@@ -1183,8 +1315,10 @@
           <a:bodyPr/>
           <a:lstStyle/>
           <a:p>
-            <a:pPr/>
-            <a:fld id="{86CB4B4D-7CA3-9044-876B-883B54F8677D}" type="slidenum"/>
+            <a:fld id="{86CB4B4D-7CA3-9044-876B-883B54F8677D}" type="slidenum">
+              <a:t>‹#›</a:t>
+            </a:fld>
+            <a:endParaRPr/>
           </a:p>
         </p:txBody>
       </p:sp>
@@ -1193,12 +1327,12 @@
   <p:clrMapOvr>
     <a:masterClrMapping/>
   </p:clrMapOvr>
-  <p:transition xmlns:p14="http://schemas.microsoft.com/office/powerpoint/2010/main" spd="med" advClick="1"/>
+  <p:transition spd="med"/>
 </p:sldLayout>
 </file>
 
 <file path=ppt/slideLayouts/slideLayout4.xml><?xml version="1.0" encoding="utf-8"?>
-<p:sldLayout xmlns:a="http://schemas.openxmlformats.org/drawingml/2006/main" xmlns:r="http://schemas.openxmlformats.org/officeDocument/2006/relationships" xmlns:p="http://schemas.openxmlformats.org/presentationml/2006/main" type="tx" showMasterSp="1" showMasterPhAnim="1">
+<p:sldLayout xmlns:a="http://schemas.openxmlformats.org/drawingml/2006/main" xmlns:r="http://schemas.openxmlformats.org/officeDocument/2006/relationships" xmlns:p="http://schemas.openxmlformats.org/presentationml/2006/main" type="tx">
   <p:cSld name="Photo - Vertical">
     <p:spTree>
       <p:nvGrpSpPr>
@@ -1217,7 +1351,9 @@
       <p:sp>
         <p:nvSpPr>
           <p:cNvPr id="38" name="Shape 38"/>
-          <p:cNvSpPr/>
+          <p:cNvSpPr>
+            <a:spLocks noGrp="1"/>
+          </p:cNvSpPr>
           <p:nvPr>
             <p:ph type="pic" sz="half" idx="13"/>
           </p:nvPr>
@@ -1237,14 +1373,16 @@
           </a:bodyPr>
           <a:lstStyle/>
           <a:p>
-            <a:pPr/>
+            <a:endParaRPr/>
           </a:p>
         </p:txBody>
       </p:sp>
       <p:sp>
         <p:nvSpPr>
           <p:cNvPr id="39" name="Shape 39"/>
-          <p:cNvSpPr/>
+          <p:cNvSpPr>
+            <a:spLocks noGrp="1"/>
+          </p:cNvSpPr>
           <p:nvPr>
             <p:ph type="title"/>
           </p:nvPr>
@@ -1266,7 +1404,6 @@
             </a:lvl1pPr>
           </a:lstStyle>
           <a:p>
-            <a:pPr/>
             <a:r>
               <a:t>Title Text</a:t>
             </a:r>
@@ -1276,7 +1413,9 @@
       <p:sp>
         <p:nvSpPr>
           <p:cNvPr id="40" name="Shape 40"/>
-          <p:cNvSpPr/>
+          <p:cNvSpPr>
+            <a:spLocks noGrp="1"/>
+          </p:cNvSpPr>
           <p:nvPr>
             <p:ph type="body" sz="quarter" idx="1"/>
           </p:nvPr>
@@ -1335,7 +1474,6 @@
             </a:lvl5pPr>
           </a:lstStyle>
           <a:p>
-            <a:pPr/>
             <a:r>
               <a:t>Body Level One</a:t>
             </a:r>
@@ -1369,7 +1507,9 @@
       <p:sp>
         <p:nvSpPr>
           <p:cNvPr id="41" name="Shape 41"/>
-          <p:cNvSpPr/>
+          <p:cNvSpPr>
+            <a:spLocks noGrp="1"/>
+          </p:cNvSpPr>
           <p:nvPr>
             <p:ph type="sldNum" sz="quarter" idx="2"/>
           </p:nvPr>
@@ -1383,8 +1523,10 @@
           <a:bodyPr/>
           <a:lstStyle/>
           <a:p>
-            <a:pPr/>
-            <a:fld id="{86CB4B4D-7CA3-9044-876B-883B54F8677D}" type="slidenum"/>
+            <a:fld id="{86CB4B4D-7CA3-9044-876B-883B54F8677D}" type="slidenum">
+              <a:t>‹#›</a:t>
+            </a:fld>
+            <a:endParaRPr/>
           </a:p>
         </p:txBody>
       </p:sp>
@@ -1393,12 +1535,12 @@
   <p:clrMapOvr>
     <a:masterClrMapping/>
   </p:clrMapOvr>
-  <p:transition xmlns:p14="http://schemas.microsoft.com/office/powerpoint/2010/main" spd="med" advClick="1"/>
+  <p:transition spd="med"/>
 </p:sldLayout>
 </file>
 
 <file path=ppt/slideLayouts/slideLayout5.xml><?xml version="1.0" encoding="utf-8"?>
-<p:sldLayout xmlns:a="http://schemas.openxmlformats.org/drawingml/2006/main" xmlns:r="http://schemas.openxmlformats.org/officeDocument/2006/relationships" xmlns:p="http://schemas.openxmlformats.org/presentationml/2006/main" type="tx" showMasterSp="1" showMasterPhAnim="1">
+<p:sldLayout xmlns:a="http://schemas.openxmlformats.org/drawingml/2006/main" xmlns:r="http://schemas.openxmlformats.org/officeDocument/2006/relationships" xmlns:p="http://schemas.openxmlformats.org/presentationml/2006/main" type="tx">
   <p:cSld name="Title - Top">
     <p:spTree>
       <p:nvGrpSpPr>
@@ -1417,7 +1559,9 @@
       <p:sp>
         <p:nvSpPr>
           <p:cNvPr id="48" name="Shape 48"/>
-          <p:cNvSpPr/>
+          <p:cNvSpPr>
+            <a:spLocks noGrp="1"/>
+          </p:cNvSpPr>
           <p:nvPr>
             <p:ph type="title"/>
           </p:nvPr>
@@ -1431,7 +1575,6 @@
           <a:bodyPr/>
           <a:lstStyle/>
           <a:p>
-            <a:pPr/>
             <a:r>
               <a:t>Title Text</a:t>
             </a:r>
@@ -1441,7 +1584,9 @@
       <p:sp>
         <p:nvSpPr>
           <p:cNvPr id="49" name="Shape 49"/>
-          <p:cNvSpPr/>
+          <p:cNvSpPr>
+            <a:spLocks noGrp="1"/>
+          </p:cNvSpPr>
           <p:nvPr>
             <p:ph type="sldNum" sz="quarter" idx="2"/>
           </p:nvPr>
@@ -1455,8 +1600,10 @@
           <a:bodyPr/>
           <a:lstStyle/>
           <a:p>
-            <a:pPr/>
-            <a:fld id="{86CB4B4D-7CA3-9044-876B-883B54F8677D}" type="slidenum"/>
+            <a:fld id="{86CB4B4D-7CA3-9044-876B-883B54F8677D}" type="slidenum">
+              <a:t>‹#›</a:t>
+            </a:fld>
+            <a:endParaRPr/>
           </a:p>
         </p:txBody>
       </p:sp>
@@ -1465,12 +1612,12 @@
   <p:clrMapOvr>
     <a:masterClrMapping/>
   </p:clrMapOvr>
-  <p:transition xmlns:p14="http://schemas.microsoft.com/office/powerpoint/2010/main" spd="med" advClick="1"/>
+  <p:transition spd="med"/>
 </p:sldLayout>
 </file>
 
 <file path=ppt/slideLayouts/slideLayout6.xml><?xml version="1.0" encoding="utf-8"?>
-<p:sldLayout xmlns:a="http://schemas.openxmlformats.org/drawingml/2006/main" xmlns:r="http://schemas.openxmlformats.org/officeDocument/2006/relationships" xmlns:p="http://schemas.openxmlformats.org/presentationml/2006/main" type="tx" showMasterSp="1" showMasterPhAnim="1">
+<p:sldLayout xmlns:a="http://schemas.openxmlformats.org/drawingml/2006/main" xmlns:r="http://schemas.openxmlformats.org/officeDocument/2006/relationships" xmlns:p="http://schemas.openxmlformats.org/presentationml/2006/main" type="tx">
   <p:cSld name="Title &amp; Bullets">
     <p:spTree>
       <p:nvGrpSpPr>
@@ -1489,7 +1636,9 @@
       <p:sp>
         <p:nvSpPr>
           <p:cNvPr id="56" name="Shape 56"/>
-          <p:cNvSpPr/>
+          <p:cNvSpPr>
+            <a:spLocks noGrp="1"/>
+          </p:cNvSpPr>
           <p:nvPr>
             <p:ph type="title"/>
           </p:nvPr>
@@ -1503,7 +1652,6 @@
           <a:bodyPr/>
           <a:lstStyle/>
           <a:p>
-            <a:pPr/>
             <a:r>
               <a:t>Title Text</a:t>
             </a:r>
@@ -1513,7 +1661,9 @@
       <p:sp>
         <p:nvSpPr>
           <p:cNvPr id="57" name="Shape 57"/>
-          <p:cNvSpPr/>
+          <p:cNvSpPr>
+            <a:spLocks noGrp="1"/>
+          </p:cNvSpPr>
           <p:nvPr>
             <p:ph type="body" idx="1"/>
           </p:nvPr>
@@ -1527,7 +1677,6 @@
           <a:bodyPr/>
           <a:lstStyle/>
           <a:p>
-            <a:pPr/>
             <a:r>
               <a:t>Body Level One</a:t>
             </a:r>
@@ -1561,7 +1710,9 @@
       <p:sp>
         <p:nvSpPr>
           <p:cNvPr id="58" name="Shape 58"/>
-          <p:cNvSpPr/>
+          <p:cNvSpPr>
+            <a:spLocks noGrp="1"/>
+          </p:cNvSpPr>
           <p:nvPr>
             <p:ph type="sldNum" sz="quarter" idx="2"/>
           </p:nvPr>
@@ -1575,8 +1726,10 @@
           <a:bodyPr/>
           <a:lstStyle/>
           <a:p>
-            <a:pPr/>
-            <a:fld id="{86CB4B4D-7CA3-9044-876B-883B54F8677D}" type="slidenum"/>
+            <a:fld id="{86CB4B4D-7CA3-9044-876B-883B54F8677D}" type="slidenum">
+              <a:t>‹#›</a:t>
+            </a:fld>
+            <a:endParaRPr/>
           </a:p>
         </p:txBody>
       </p:sp>
@@ -1585,12 +1738,12 @@
   <p:clrMapOvr>
     <a:masterClrMapping/>
   </p:clrMapOvr>
-  <p:transition xmlns:p14="http://schemas.microsoft.com/office/powerpoint/2010/main" spd="med" advClick="1"/>
+  <p:transition spd="med"/>
 </p:sldLayout>
 </file>
 
 <file path=ppt/slideLayouts/slideLayout7.xml><?xml version="1.0" encoding="utf-8"?>
-<p:sldLayout xmlns:a="http://schemas.openxmlformats.org/drawingml/2006/main" xmlns:r="http://schemas.openxmlformats.org/officeDocument/2006/relationships" xmlns:p="http://schemas.openxmlformats.org/presentationml/2006/main" type="tx" showMasterSp="1" showMasterPhAnim="1">
+<p:sldLayout xmlns:a="http://schemas.openxmlformats.org/drawingml/2006/main" xmlns:r="http://schemas.openxmlformats.org/officeDocument/2006/relationships" xmlns:p="http://schemas.openxmlformats.org/presentationml/2006/main" type="tx">
   <p:cSld name="Title, Bullets &amp; Photo">
     <p:spTree>
       <p:nvGrpSpPr>
@@ -1609,7 +1762,9 @@
       <p:sp>
         <p:nvSpPr>
           <p:cNvPr id="65" name="Shape 65"/>
-          <p:cNvSpPr/>
+          <p:cNvSpPr>
+            <a:spLocks noGrp="1"/>
+          </p:cNvSpPr>
           <p:nvPr>
             <p:ph type="pic" sz="half" idx="13"/>
           </p:nvPr>
@@ -1629,14 +1784,16 @@
           </a:bodyPr>
           <a:lstStyle/>
           <a:p>
-            <a:pPr/>
+            <a:endParaRPr/>
           </a:p>
         </p:txBody>
       </p:sp>
       <p:sp>
         <p:nvSpPr>
           <p:cNvPr id="66" name="Shape 66"/>
-          <p:cNvSpPr/>
+          <p:cNvSpPr>
+            <a:spLocks noGrp="1"/>
+          </p:cNvSpPr>
           <p:nvPr>
             <p:ph type="title"/>
           </p:nvPr>
@@ -1650,7 +1807,6 @@
           <a:bodyPr/>
           <a:lstStyle/>
           <a:p>
-            <a:pPr/>
             <a:r>
               <a:t>Title Text</a:t>
             </a:r>
@@ -1660,7 +1816,9 @@
       <p:sp>
         <p:nvSpPr>
           <p:cNvPr id="67" name="Shape 67"/>
-          <p:cNvSpPr/>
+          <p:cNvSpPr>
+            <a:spLocks noGrp="1"/>
+          </p:cNvSpPr>
           <p:nvPr>
             <p:ph type="body" sz="half" idx="1"/>
           </p:nvPr>
@@ -1709,7 +1867,6 @@
             </a:lvl5pPr>
           </a:lstStyle>
           <a:p>
-            <a:pPr/>
             <a:r>
               <a:t>Body Level One</a:t>
             </a:r>
@@ -1743,7 +1900,9 @@
       <p:sp>
         <p:nvSpPr>
           <p:cNvPr id="68" name="Shape 68"/>
-          <p:cNvSpPr/>
+          <p:cNvSpPr>
+            <a:spLocks noGrp="1"/>
+          </p:cNvSpPr>
           <p:nvPr>
             <p:ph type="sldNum" sz="quarter" idx="2"/>
           </p:nvPr>
@@ -1757,8 +1916,10 @@
           <a:bodyPr/>
           <a:lstStyle/>
           <a:p>
-            <a:pPr/>
-            <a:fld id="{86CB4B4D-7CA3-9044-876B-883B54F8677D}" type="slidenum"/>
+            <a:fld id="{86CB4B4D-7CA3-9044-876B-883B54F8677D}" type="slidenum">
+              <a:t>‹#›</a:t>
+            </a:fld>
+            <a:endParaRPr/>
           </a:p>
         </p:txBody>
       </p:sp>
@@ -1767,12 +1928,12 @@
   <p:clrMapOvr>
     <a:masterClrMapping/>
   </p:clrMapOvr>
-  <p:transition xmlns:p14="http://schemas.microsoft.com/office/powerpoint/2010/main" spd="med" advClick="1"/>
+  <p:transition spd="med"/>
 </p:sldLayout>
 </file>
 
 <file path=ppt/slideLayouts/slideLayout8.xml><?xml version="1.0" encoding="utf-8"?>
-<p:sldLayout xmlns:a="http://schemas.openxmlformats.org/drawingml/2006/main" xmlns:r="http://schemas.openxmlformats.org/officeDocument/2006/relationships" xmlns:p="http://schemas.openxmlformats.org/presentationml/2006/main" type="tx" showMasterSp="1" showMasterPhAnim="1">
+<p:sldLayout xmlns:a="http://schemas.openxmlformats.org/drawingml/2006/main" xmlns:r="http://schemas.openxmlformats.org/officeDocument/2006/relationships" xmlns:p="http://schemas.openxmlformats.org/presentationml/2006/main" type="tx">
   <p:cSld name="Bullets">
     <p:spTree>
       <p:nvGrpSpPr>
@@ -1791,7 +1952,9 @@
       <p:sp>
         <p:nvSpPr>
           <p:cNvPr id="75" name="Shape 75"/>
-          <p:cNvSpPr/>
+          <p:cNvSpPr>
+            <a:spLocks noGrp="1"/>
+          </p:cNvSpPr>
           <p:nvPr>
             <p:ph type="body" idx="1"/>
           </p:nvPr>
@@ -1809,7 +1972,6 @@
           <a:bodyPr/>
           <a:lstStyle/>
           <a:p>
-            <a:pPr/>
             <a:r>
               <a:t>Body Level One</a:t>
             </a:r>
@@ -1843,7 +2005,9 @@
       <p:sp>
         <p:nvSpPr>
           <p:cNvPr id="76" name="Shape 76"/>
-          <p:cNvSpPr/>
+          <p:cNvSpPr>
+            <a:spLocks noGrp="1"/>
+          </p:cNvSpPr>
           <p:nvPr>
             <p:ph type="sldNum" sz="quarter" idx="2"/>
           </p:nvPr>
@@ -1857,8 +2021,10 @@
           <a:bodyPr/>
           <a:lstStyle/>
           <a:p>
-            <a:pPr/>
-            <a:fld id="{86CB4B4D-7CA3-9044-876B-883B54F8677D}" type="slidenum"/>
+            <a:fld id="{86CB4B4D-7CA3-9044-876B-883B54F8677D}" type="slidenum">
+              <a:t>‹#›</a:t>
+            </a:fld>
+            <a:endParaRPr/>
           </a:p>
         </p:txBody>
       </p:sp>
@@ -1867,12 +2033,12 @@
   <p:clrMapOvr>
     <a:masterClrMapping/>
   </p:clrMapOvr>
-  <p:transition xmlns:p14="http://schemas.microsoft.com/office/powerpoint/2010/main" spd="med" advClick="1"/>
+  <p:transition spd="med"/>
 </p:sldLayout>
 </file>
 
 <file path=ppt/slideLayouts/slideLayout9.xml><?xml version="1.0" encoding="utf-8"?>
-<p:sldLayout xmlns:a="http://schemas.openxmlformats.org/drawingml/2006/main" xmlns:r="http://schemas.openxmlformats.org/officeDocument/2006/relationships" xmlns:p="http://schemas.openxmlformats.org/presentationml/2006/main" type="tx" showMasterSp="1" showMasterPhAnim="1">
+<p:sldLayout xmlns:a="http://schemas.openxmlformats.org/drawingml/2006/main" xmlns:r="http://schemas.openxmlformats.org/officeDocument/2006/relationships" xmlns:p="http://schemas.openxmlformats.org/presentationml/2006/main" type="tx">
   <p:cSld name="Photo - 3 Up">
     <p:spTree>
       <p:nvGrpSpPr>
@@ -1891,7 +2057,9 @@
       <p:sp>
         <p:nvSpPr>
           <p:cNvPr id="83" name="Shape 83"/>
-          <p:cNvSpPr/>
+          <p:cNvSpPr>
+            <a:spLocks noGrp="1"/>
+          </p:cNvSpPr>
           <p:nvPr>
             <p:ph type="pic" sz="quarter" idx="13"/>
           </p:nvPr>
@@ -1911,14 +2079,16 @@
           </a:bodyPr>
           <a:lstStyle/>
           <a:p>
-            <a:pPr/>
+            <a:endParaRPr/>
           </a:p>
         </p:txBody>
       </p:sp>
       <p:sp>
         <p:nvSpPr>
           <p:cNvPr id="84" name="Shape 84"/>
-          <p:cNvSpPr/>
+          <p:cNvSpPr>
+            <a:spLocks noGrp="1"/>
+          </p:cNvSpPr>
           <p:nvPr>
             <p:ph type="pic" sz="quarter" idx="14"/>
           </p:nvPr>
@@ -1938,14 +2108,16 @@
           </a:bodyPr>
           <a:lstStyle/>
           <a:p>
-            <a:pPr/>
+            <a:endParaRPr/>
           </a:p>
         </p:txBody>
       </p:sp>
       <p:sp>
         <p:nvSpPr>
           <p:cNvPr id="85" name="Shape 85"/>
-          <p:cNvSpPr/>
+          <p:cNvSpPr>
+            <a:spLocks noGrp="1"/>
+          </p:cNvSpPr>
           <p:nvPr>
             <p:ph type="pic" sz="half" idx="15"/>
           </p:nvPr>
@@ -1965,14 +2137,16 @@
           </a:bodyPr>
           <a:lstStyle/>
           <a:p>
-            <a:pPr/>
+            <a:endParaRPr/>
           </a:p>
         </p:txBody>
       </p:sp>
       <p:sp>
         <p:nvSpPr>
           <p:cNvPr id="86" name="Shape 86"/>
-          <p:cNvSpPr/>
+          <p:cNvSpPr>
+            <a:spLocks noGrp="1"/>
+          </p:cNvSpPr>
           <p:nvPr>
             <p:ph type="sldNum" sz="quarter" idx="2"/>
           </p:nvPr>
@@ -1986,8 +2160,10 @@
           <a:bodyPr/>
           <a:lstStyle/>
           <a:p>
-            <a:pPr/>
-            <a:fld id="{86CB4B4D-7CA3-9044-876B-883B54F8677D}" type="slidenum"/>
+            <a:fld id="{86CB4B4D-7CA3-9044-876B-883B54F8677D}" type="slidenum">
+              <a:t>‹#›</a:t>
+            </a:fld>
+            <a:endParaRPr/>
           </a:p>
         </p:txBody>
       </p:sp>
@@ -1996,7 +2172,7 @@
   <p:clrMapOvr>
     <a:masterClrMapping/>
   </p:clrMapOvr>
-  <p:transition xmlns:p14="http://schemas.microsoft.com/office/powerpoint/2010/main" spd="med" advClick="1"/>
+  <p:transition spd="med"/>
 </p:sldLayout>
 </file>
 
@@ -2008,6 +2184,7 @@
         <a:solidFill>
           <a:srgbClr val="FFFFFF"/>
         </a:solidFill>
+        <a:effectLst/>
       </p:bgPr>
     </p:bg>
     <p:spTree>
@@ -2027,7 +2204,9 @@
       <p:sp>
         <p:nvSpPr>
           <p:cNvPr id="2" name="Shape 2"/>
-          <p:cNvSpPr/>
+          <p:cNvSpPr>
+            <a:spLocks noGrp="1"/>
+          </p:cNvSpPr>
           <p:nvPr>
             <p:ph type="title"/>
           </p:nvPr>
@@ -2051,11 +2230,10 @@
         </p:spPr>
         <p:txBody>
           <a:bodyPr lIns="50800" tIns="50800" rIns="50800" bIns="50800" anchor="ctr">
-            <a:normAutofit fontScale="100000" lnSpcReduction="0"/>
+            <a:normAutofit/>
           </a:bodyPr>
           <a:lstStyle/>
           <a:p>
-            <a:pPr/>
             <a:r>
               <a:t>Title Text</a:t>
             </a:r>
@@ -2065,7 +2243,9 @@
       <p:sp>
         <p:nvSpPr>
           <p:cNvPr id="3" name="Shape 3"/>
-          <p:cNvSpPr/>
+          <p:cNvSpPr>
+            <a:spLocks noGrp="1"/>
+          </p:cNvSpPr>
           <p:nvPr>
             <p:ph type="body" idx="1"/>
           </p:nvPr>
@@ -2089,11 +2269,10 @@
         </p:spPr>
         <p:txBody>
           <a:bodyPr lIns="50800" tIns="50800" rIns="50800" bIns="50800" anchor="ctr">
-            <a:normAutofit fontScale="100000" lnSpcReduction="0"/>
+            <a:normAutofit/>
           </a:bodyPr>
           <a:lstStyle/>
           <a:p>
-            <a:pPr/>
             <a:r>
               <a:t>Body Level One</a:t>
             </a:r>
@@ -2127,7 +2306,9 @@
       <p:sp>
         <p:nvSpPr>
           <p:cNvPr id="4" name="Shape 4"/>
-          <p:cNvSpPr/>
+          <p:cNvSpPr>
+            <a:spLocks noGrp="1"/>
+          </p:cNvSpPr>
           <p:nvPr>
             <p:ph type="sldNum" sz="quarter" idx="2"/>
           </p:nvPr>
@@ -2154,8 +2335,10 @@
             </a:lvl1pPr>
           </a:lstStyle>
           <a:p>
-            <a:pPr/>
-            <a:fld id="{86CB4B4D-7CA3-9044-876B-883B54F8677D}" type="slidenum"/>
+            <a:fld id="{86CB4B4D-7CA3-9044-876B-883B54F8677D}" type="slidenum">
+              <a:t>‹#›</a:t>
+            </a:fld>
+            <a:endParaRPr/>
           </a:p>
         </p:txBody>
       </p:sp>
@@ -2163,20 +2346,20 @@
   </p:cSld>
   <p:clrMap bg1="lt1" tx1="dk1" bg2="lt2" tx2="dk2" accent1="accent1" accent2="accent2" accent3="accent3" accent4="accent4" accent5="accent5" accent6="accent6" hlink="hlink" folHlink="folHlink"/>
   <p:sldLayoutIdLst>
-    <p:sldLayoutId id="2147483649" r:id="rId2"/>
-    <p:sldLayoutId id="2147483650" r:id="rId3"/>
-    <p:sldLayoutId id="2147483651" r:id="rId4"/>
-    <p:sldLayoutId id="2147483652" r:id="rId5"/>
-    <p:sldLayoutId id="2147483653" r:id="rId6"/>
-    <p:sldLayoutId id="2147483654" r:id="rId7"/>
-    <p:sldLayoutId id="2147483655" r:id="rId8"/>
-    <p:sldLayoutId id="2147483656" r:id="rId9"/>
-    <p:sldLayoutId id="2147483657" r:id="rId10"/>
-    <p:sldLayoutId id="2147483658" r:id="rId11"/>
-    <p:sldLayoutId id="2147483659" r:id="rId12"/>
-    <p:sldLayoutId id="2147483660" r:id="rId13"/>
+    <p:sldLayoutId id="2147483649" r:id="rId1"/>
+    <p:sldLayoutId id="2147483650" r:id="rId2"/>
+    <p:sldLayoutId id="2147483651" r:id="rId3"/>
+    <p:sldLayoutId id="2147483652" r:id="rId4"/>
+    <p:sldLayoutId id="2147483653" r:id="rId5"/>
+    <p:sldLayoutId id="2147483654" r:id="rId6"/>
+    <p:sldLayoutId id="2147483655" r:id="rId7"/>
+    <p:sldLayoutId id="2147483656" r:id="rId8"/>
+    <p:sldLayoutId id="2147483657" r:id="rId9"/>
+    <p:sldLayoutId id="2147483658" r:id="rId10"/>
+    <p:sldLayoutId id="2147483659" r:id="rId11"/>
+    <p:sldLayoutId id="2147483660" r:id="rId12"/>
   </p:sldLayoutIdLst>
-  <p:transition xmlns:p14="http://schemas.microsoft.com/office/powerpoint/2010/main" spd="med" advClick="1"/>
+  <p:transition spd="med"/>
   <p:txStyles>
     <p:titleStyle>
       <a:lvl1pPr marL="0" marR="0" indent="0" algn="l" defTabSz="584200" rtl="0" latinLnBrk="0">
@@ -2194,7 +2377,7 @@
         <a:buFontTx/>
         <a:buNone/>
         <a:tabLst/>
-        <a:defRPr b="0" baseline="0" cap="none" i="0" spc="0" strike="noStrike" sz="5000" u="none">
+        <a:defRPr sz="5000" b="0" i="0" u="none" strike="noStrike" cap="none" spc="0" baseline="0">
           <a:ln>
             <a:noFill/>
           </a:ln>
@@ -2223,7 +2406,7 @@
         <a:buFontTx/>
         <a:buNone/>
         <a:tabLst/>
-        <a:defRPr b="0" baseline="0" cap="none" i="0" spc="0" strike="noStrike" sz="5000" u="none">
+        <a:defRPr sz="5000" b="0" i="0" u="none" strike="noStrike" cap="none" spc="0" baseline="0">
           <a:ln>
             <a:noFill/>
           </a:ln>
@@ -2252,7 +2435,7 @@
         <a:buFontTx/>
         <a:buNone/>
         <a:tabLst/>
-        <a:defRPr b="0" baseline="0" cap="none" i="0" spc="0" strike="noStrike" sz="5000" u="none">
+        <a:defRPr sz="5000" b="0" i="0" u="none" strike="noStrike" cap="none" spc="0" baseline="0">
           <a:ln>
             <a:noFill/>
           </a:ln>
@@ -2281,7 +2464,7 @@
         <a:buFontTx/>
         <a:buNone/>
         <a:tabLst/>
-        <a:defRPr b="0" baseline="0" cap="none" i="0" spc="0" strike="noStrike" sz="5000" u="none">
+        <a:defRPr sz="5000" b="0" i="0" u="none" strike="noStrike" cap="none" spc="0" baseline="0">
           <a:ln>
             <a:noFill/>
           </a:ln>
@@ -2310,7 +2493,7 @@
         <a:buFontTx/>
         <a:buNone/>
         <a:tabLst/>
-        <a:defRPr b="0" baseline="0" cap="none" i="0" spc="0" strike="noStrike" sz="5000" u="none">
+        <a:defRPr sz="5000" b="0" i="0" u="none" strike="noStrike" cap="none" spc="0" baseline="0">
           <a:ln>
             <a:noFill/>
           </a:ln>
@@ -2339,7 +2522,7 @@
         <a:buFontTx/>
         <a:buNone/>
         <a:tabLst/>
-        <a:defRPr b="0" baseline="0" cap="none" i="0" spc="0" strike="noStrike" sz="5000" u="none">
+        <a:defRPr sz="5000" b="0" i="0" u="none" strike="noStrike" cap="none" spc="0" baseline="0">
           <a:ln>
             <a:noFill/>
           </a:ln>
@@ -2368,7 +2551,7 @@
         <a:buFontTx/>
         <a:buNone/>
         <a:tabLst/>
-        <a:defRPr b="0" baseline="0" cap="none" i="0" spc="0" strike="noStrike" sz="5000" u="none">
+        <a:defRPr sz="5000" b="0" i="0" u="none" strike="noStrike" cap="none" spc="0" baseline="0">
           <a:ln>
             <a:noFill/>
           </a:ln>
@@ -2397,7 +2580,7 @@
         <a:buFontTx/>
         <a:buNone/>
         <a:tabLst/>
-        <a:defRPr b="0" baseline="0" cap="none" i="0" spc="0" strike="noStrike" sz="5000" u="none">
+        <a:defRPr sz="5000" b="0" i="0" u="none" strike="noStrike" cap="none" spc="0" baseline="0">
           <a:ln>
             <a:noFill/>
           </a:ln>
@@ -2426,7 +2609,7 @@
         <a:buFontTx/>
         <a:buNone/>
         <a:tabLst/>
-        <a:defRPr b="0" baseline="0" cap="none" i="0" spc="0" strike="noStrike" sz="5000" u="none">
+        <a:defRPr sz="5000" b="0" i="0" u="none" strike="noStrike" cap="none" spc="0" baseline="0">
           <a:ln>
             <a:noFill/>
           </a:ln>
@@ -2457,7 +2640,7 @@
         <a:buFontTx/>
         <a:buChar char="•"/>
         <a:tabLst/>
-        <a:defRPr b="0" baseline="0" cap="none" i="0" spc="0" strike="noStrike" sz="2000" u="none">
+        <a:defRPr sz="2000" b="0" i="0" u="none" strike="noStrike" cap="none" spc="0" baseline="0">
           <a:ln>
             <a:noFill/>
           </a:ln>
@@ -2486,7 +2669,7 @@
         <a:buFontTx/>
         <a:buChar char="•"/>
         <a:tabLst/>
-        <a:defRPr b="0" baseline="0" cap="none" i="0" spc="0" strike="noStrike" sz="2000" u="none">
+        <a:defRPr sz="2000" b="0" i="0" u="none" strike="noStrike" cap="none" spc="0" baseline="0">
           <a:ln>
             <a:noFill/>
           </a:ln>
@@ -2515,7 +2698,7 @@
         <a:buFontTx/>
         <a:buChar char="•"/>
         <a:tabLst/>
-        <a:defRPr b="0" baseline="0" cap="none" i="0" spc="0" strike="noStrike" sz="2000" u="none">
+        <a:defRPr sz="2000" b="0" i="0" u="none" strike="noStrike" cap="none" spc="0" baseline="0">
           <a:ln>
             <a:noFill/>
           </a:ln>
@@ -2544,7 +2727,7 @@
         <a:buFontTx/>
         <a:buChar char="•"/>
         <a:tabLst/>
-        <a:defRPr b="0" baseline="0" cap="none" i="0" spc="0" strike="noStrike" sz="2000" u="none">
+        <a:defRPr sz="2000" b="0" i="0" u="none" strike="noStrike" cap="none" spc="0" baseline="0">
           <a:ln>
             <a:noFill/>
           </a:ln>
@@ -2573,7 +2756,7 @@
         <a:buFontTx/>
         <a:buChar char="•"/>
         <a:tabLst/>
-        <a:defRPr b="0" baseline="0" cap="none" i="0" spc="0" strike="noStrike" sz="2000" u="none">
+        <a:defRPr sz="2000" b="0" i="0" u="none" strike="noStrike" cap="none" spc="0" baseline="0">
           <a:ln>
             <a:noFill/>
           </a:ln>
@@ -2602,7 +2785,7 @@
         <a:buFontTx/>
         <a:buChar char="•"/>
         <a:tabLst/>
-        <a:defRPr b="0" baseline="0" cap="none" i="0" spc="0" strike="noStrike" sz="2000" u="none">
+        <a:defRPr sz="2000" b="0" i="0" u="none" strike="noStrike" cap="none" spc="0" baseline="0">
           <a:ln>
             <a:noFill/>
           </a:ln>
@@ -2631,7 +2814,7 @@
         <a:buFontTx/>
         <a:buChar char="•"/>
         <a:tabLst/>
-        <a:defRPr b="0" baseline="0" cap="none" i="0" spc="0" strike="noStrike" sz="2000" u="none">
+        <a:defRPr sz="2000" b="0" i="0" u="none" strike="noStrike" cap="none" spc="0" baseline="0">
           <a:ln>
             <a:noFill/>
           </a:ln>
@@ -2660,7 +2843,7 @@
         <a:buFontTx/>
         <a:buChar char="•"/>
         <a:tabLst/>
-        <a:defRPr b="0" baseline="0" cap="none" i="0" spc="0" strike="noStrike" sz="2000" u="none">
+        <a:defRPr sz="2000" b="0" i="0" u="none" strike="noStrike" cap="none" spc="0" baseline="0">
           <a:ln>
             <a:noFill/>
           </a:ln>
@@ -2689,7 +2872,7 @@
         <a:buFontTx/>
         <a:buChar char="•"/>
         <a:tabLst/>
-        <a:defRPr b="0" baseline="0" cap="none" i="0" spc="0" strike="noStrike" sz="2000" u="none">
+        <a:defRPr sz="2000" b="0" i="0" u="none" strike="noStrike" cap="none" spc="0" baseline="0">
           <a:ln>
             <a:noFill/>
           </a:ln>
@@ -2720,7 +2903,7 @@
         <a:buFontTx/>
         <a:buNone/>
         <a:tabLst/>
-        <a:defRPr b="0" baseline="0" cap="none" i="0" spc="0" strike="noStrike" sz="1800" u="none">
+        <a:defRPr sz="1800" b="0" i="0" u="none" strike="noStrike" cap="none" spc="0" baseline="0">
           <a:ln>
             <a:noFill/>
           </a:ln>
@@ -2749,7 +2932,7 @@
         <a:buFontTx/>
         <a:buNone/>
         <a:tabLst/>
-        <a:defRPr b="0" baseline="0" cap="none" i="0" spc="0" strike="noStrike" sz="1800" u="none">
+        <a:defRPr sz="1800" b="0" i="0" u="none" strike="noStrike" cap="none" spc="0" baseline="0">
           <a:ln>
             <a:noFill/>
           </a:ln>
@@ -2778,7 +2961,7 @@
         <a:buFontTx/>
         <a:buNone/>
         <a:tabLst/>
-        <a:defRPr b="0" baseline="0" cap="none" i="0" spc="0" strike="noStrike" sz="1800" u="none">
+        <a:defRPr sz="1800" b="0" i="0" u="none" strike="noStrike" cap="none" spc="0" baseline="0">
           <a:ln>
             <a:noFill/>
           </a:ln>
@@ -2807,7 +2990,7 @@
         <a:buFontTx/>
         <a:buNone/>
         <a:tabLst/>
-        <a:defRPr b="0" baseline="0" cap="none" i="0" spc="0" strike="noStrike" sz="1800" u="none">
+        <a:defRPr sz="1800" b="0" i="0" u="none" strike="noStrike" cap="none" spc="0" baseline="0">
           <a:ln>
             <a:noFill/>
           </a:ln>
@@ -2836,7 +3019,7 @@
         <a:buFontTx/>
         <a:buNone/>
         <a:tabLst/>
-        <a:defRPr b="0" baseline="0" cap="none" i="0" spc="0" strike="noStrike" sz="1800" u="none">
+        <a:defRPr sz="1800" b="0" i="0" u="none" strike="noStrike" cap="none" spc="0" baseline="0">
           <a:ln>
             <a:noFill/>
           </a:ln>
@@ -2865,7 +3048,7 @@
         <a:buFontTx/>
         <a:buNone/>
         <a:tabLst/>
-        <a:defRPr b="0" baseline="0" cap="none" i="0" spc="0" strike="noStrike" sz="1800" u="none">
+        <a:defRPr sz="1800" b="0" i="0" u="none" strike="noStrike" cap="none" spc="0" baseline="0">
           <a:ln>
             <a:noFill/>
           </a:ln>
@@ -2894,7 +3077,7 @@
         <a:buFontTx/>
         <a:buNone/>
         <a:tabLst/>
-        <a:defRPr b="0" baseline="0" cap="none" i="0" spc="0" strike="noStrike" sz="1800" u="none">
+        <a:defRPr sz="1800" b="0" i="0" u="none" strike="noStrike" cap="none" spc="0" baseline="0">
           <a:ln>
             <a:noFill/>
           </a:ln>
@@ -2923,7 +3106,7 @@
         <a:buFontTx/>
         <a:buNone/>
         <a:tabLst/>
-        <a:defRPr b="0" baseline="0" cap="none" i="0" spc="0" strike="noStrike" sz="1800" u="none">
+        <a:defRPr sz="1800" b="0" i="0" u="none" strike="noStrike" cap="none" spc="0" baseline="0">
           <a:ln>
             <a:noFill/>
           </a:ln>
@@ -2952,7 +3135,7 @@
         <a:buFontTx/>
         <a:buNone/>
         <a:tabLst/>
-        <a:defRPr b="0" baseline="0" cap="none" i="0" spc="0" strike="noStrike" sz="1800" u="none">
+        <a:defRPr sz="1800" b="0" i="0" u="none" strike="noStrike" cap="none" spc="0" baseline="0">
           <a:ln>
             <a:noFill/>
           </a:ln>
@@ -2972,7 +3155,7 @@
 </file>
 
 <file path=ppt/slides/slide1.xml><?xml version="1.0" encoding="utf-8"?>
-<p:sld xmlns:a="http://schemas.openxmlformats.org/drawingml/2006/main" xmlns:r="http://schemas.openxmlformats.org/officeDocument/2006/relationships" xmlns:p="http://schemas.openxmlformats.org/presentationml/2006/main" showMasterSp="1" showMasterPhAnim="1">
+<p:sld xmlns:a="http://schemas.openxmlformats.org/drawingml/2006/main" xmlns:r="http://schemas.openxmlformats.org/officeDocument/2006/relationships" xmlns:p="http://schemas.openxmlformats.org/presentationml/2006/main">
   <p:cSld>
     <p:spTree>
       <p:nvGrpSpPr>
@@ -2991,7 +3174,9 @@
       <p:sp>
         <p:nvSpPr>
           <p:cNvPr id="119" name="Shape 119"/>
-          <p:cNvSpPr/>
+          <p:cNvSpPr>
+            <a:spLocks noGrp="1"/>
+          </p:cNvSpPr>
           <p:nvPr>
             <p:ph type="ctrTitle"/>
           </p:nvPr>
@@ -3005,7 +3190,6 @@
           <a:bodyPr/>
           <a:lstStyle/>
           <a:p>
-            <a:pPr/>
             <a:r>
               <a:t>Final Project Ideas</a:t>
             </a:r>
@@ -3015,7 +3199,9 @@
       <p:sp>
         <p:nvSpPr>
           <p:cNvPr id="120" name="Shape 120"/>
-          <p:cNvSpPr/>
+          <p:cNvSpPr>
+            <a:spLocks noGrp="1"/>
+          </p:cNvSpPr>
           <p:nvPr>
             <p:ph type="subTitle" sz="quarter" idx="1"/>
           </p:nvPr>
@@ -3031,7 +3217,6 @@
             <a:lvl1pPr algn="l"/>
           </a:lstStyle>
           <a:p>
-            <a:pPr/>
             <a:r>
               <a:t>Eunice Lau</a:t>
             </a:r>
@@ -3043,12 +3228,12 @@
   <p:clrMapOvr>
     <a:masterClrMapping/>
   </p:clrMapOvr>
-  <p:transition xmlns:p14="http://schemas.microsoft.com/office/powerpoint/2010/main" spd="med" advClick="1"/>
+  <p:transition spd="med"/>
 </p:sld>
 </file>
 
 <file path=ppt/slides/slide10.xml><?xml version="1.0" encoding="utf-8"?>
-<p:sld xmlns:a="http://schemas.openxmlformats.org/drawingml/2006/main" xmlns:r="http://schemas.openxmlformats.org/officeDocument/2006/relationships" xmlns:p="http://schemas.openxmlformats.org/presentationml/2006/main" showMasterSp="1" showMasterPhAnim="1">
+<p:sld xmlns:a="http://schemas.openxmlformats.org/drawingml/2006/main" xmlns:r="http://schemas.openxmlformats.org/officeDocument/2006/relationships" xmlns:p="http://schemas.openxmlformats.org/presentationml/2006/main">
   <p:cSld>
     <p:spTree>
       <p:nvGrpSpPr>
@@ -3067,7 +3252,9 @@
       <p:sp>
         <p:nvSpPr>
           <p:cNvPr id="146" name="Shape 146"/>
-          <p:cNvSpPr/>
+          <p:cNvSpPr>
+            <a:spLocks noGrp="1"/>
+          </p:cNvSpPr>
           <p:nvPr>
             <p:ph type="ctrTitle"/>
           </p:nvPr>
@@ -3081,7 +3268,6 @@
           <a:bodyPr/>
           <a:lstStyle/>
           <a:p>
-            <a:pPr/>
             <a:r>
               <a:t>Outcome Forecasting: </a:t>
             </a:r>
@@ -3099,7 +3285,9 @@
       <p:sp>
         <p:nvSpPr>
           <p:cNvPr id="147" name="Shape 147"/>
-          <p:cNvSpPr/>
+          <p:cNvSpPr>
+            <a:spLocks noGrp="1"/>
+          </p:cNvSpPr>
           <p:nvPr>
             <p:ph type="subTitle" sz="quarter" idx="1"/>
           </p:nvPr>
@@ -3117,7 +3305,6 @@
             </a:lvl1pPr>
           </a:lstStyle>
           <a:p>
-            <a:pPr/>
             <a:r>
               <a:t>IDEA TWO</a:t>
             </a:r>
@@ -3129,12 +3316,12 @@
   <p:clrMapOvr>
     <a:masterClrMapping/>
   </p:clrMapOvr>
-  <p:transition xmlns:p14="http://schemas.microsoft.com/office/powerpoint/2010/main" spd="med" advClick="1" p14:dur="1000"/>
+  <p:transition spd="slow"/>
 </p:sld>
 </file>
 
 <file path=ppt/slides/slide11.xml><?xml version="1.0" encoding="utf-8"?>
-<p:sld xmlns:a="http://schemas.openxmlformats.org/drawingml/2006/main" xmlns:r="http://schemas.openxmlformats.org/officeDocument/2006/relationships" xmlns:p="http://schemas.openxmlformats.org/presentationml/2006/main" showMasterSp="1" showMasterPhAnim="1">
+<p:sld xmlns:a="http://schemas.openxmlformats.org/drawingml/2006/main" xmlns:r="http://schemas.openxmlformats.org/officeDocument/2006/relationships" xmlns:p="http://schemas.openxmlformats.org/presentationml/2006/main">
   <p:cSld>
     <p:spTree>
       <p:nvGrpSpPr>
@@ -3153,7 +3340,9 @@
       <p:sp>
         <p:nvSpPr>
           <p:cNvPr id="149" name="Shape 149"/>
-          <p:cNvSpPr/>
+          <p:cNvSpPr>
+            <a:spLocks noGrp="1"/>
+          </p:cNvSpPr>
           <p:nvPr>
             <p:ph type="title"/>
           </p:nvPr>
@@ -3171,7 +3360,6 @@
           <a:bodyPr anchor="t"/>
           <a:lstStyle/>
           <a:p>
-            <a:pPr/>
             <a:r>
               <a:t>The Problem: Warriors Championship</a:t>
             </a:r>
@@ -3181,7 +3369,9 @@
       <p:sp>
         <p:nvSpPr>
           <p:cNvPr id="150" name="Shape 150"/>
-          <p:cNvSpPr/>
+          <p:cNvSpPr>
+            <a:spLocks noGrp="1"/>
+          </p:cNvSpPr>
           <p:nvPr>
             <p:ph type="body" idx="1"/>
           </p:nvPr>
@@ -3235,12 +3425,12 @@
   <p:clrMapOvr>
     <a:masterClrMapping/>
   </p:clrMapOvr>
-  <p:transition xmlns:p14="http://schemas.microsoft.com/office/powerpoint/2010/main" spd="med" advClick="1" p14:dur="1000"/>
+  <p:transition spd="slow"/>
 </p:sld>
 </file>
 
 <file path=ppt/slides/slide12.xml><?xml version="1.0" encoding="utf-8"?>
-<p:sld xmlns:a="http://schemas.openxmlformats.org/drawingml/2006/main" xmlns:r="http://schemas.openxmlformats.org/officeDocument/2006/relationships" xmlns:p="http://schemas.openxmlformats.org/presentationml/2006/main" showMasterSp="1" showMasterPhAnim="1">
+<p:sld xmlns:a="http://schemas.openxmlformats.org/drawingml/2006/main" xmlns:r="http://schemas.openxmlformats.org/officeDocument/2006/relationships" xmlns:p="http://schemas.openxmlformats.org/presentationml/2006/main">
   <p:cSld>
     <p:spTree>
       <p:nvGrpSpPr>
@@ -3259,7 +3449,9 @@
       <p:sp>
         <p:nvSpPr>
           <p:cNvPr id="152" name="Shape 152"/>
-          <p:cNvSpPr/>
+          <p:cNvSpPr>
+            <a:spLocks noGrp="1"/>
+          </p:cNvSpPr>
           <p:nvPr>
             <p:ph type="title"/>
           </p:nvPr>
@@ -3277,7 +3469,6 @@
           <a:bodyPr/>
           <a:lstStyle/>
           <a:p>
-            <a:pPr/>
             <a:r>
               <a:t>The Data: Player Stats</a:t>
             </a:r>
@@ -3287,7 +3478,9 @@
       <p:sp>
         <p:nvSpPr>
           <p:cNvPr id="153" name="Shape 153"/>
-          <p:cNvSpPr/>
+          <p:cNvSpPr>
+            <a:spLocks noGrp="1"/>
+          </p:cNvSpPr>
           <p:nvPr>
             <p:ph type="body" idx="1"/>
           </p:nvPr>
@@ -3323,25 +3516,25 @@
             </a:r>
           </a:p>
           <a:p>
-            <a:pPr lvl="1" marL="889000" indent="-444500"/>
+            <a:pPr marL="889000" lvl="1" indent="-444500"/>
             <a:r>
               <a:t>Field Goals, Three Point Shots, Free Throws: made vs. attempted</a:t>
             </a:r>
           </a:p>
           <a:p>
-            <a:pPr lvl="1" marL="889000" indent="-444500"/>
+            <a:pPr marL="889000" lvl="1" indent="-444500"/>
             <a:r>
               <a:t>Rebounds: offensive, defensive</a:t>
             </a:r>
           </a:p>
           <a:p>
-            <a:pPr lvl="1" marL="889000" indent="-444500"/>
+            <a:pPr marL="889000" lvl="1" indent="-444500"/>
             <a:r>
               <a:t>Assists, Turnovers, Steals, Blocks, Personal Fouls, and Points</a:t>
             </a:r>
           </a:p>
           <a:p>
-            <a:pPr lvl="1" marL="889000" indent="-444500"/>
+            <a:pPr marL="889000" lvl="1" indent="-444500"/>
             <a:r>
               <a:t>All on a per game level</a:t>
             </a:r>
@@ -3359,12 +3552,12 @@
   <p:clrMapOvr>
     <a:masterClrMapping/>
   </p:clrMapOvr>
-  <p:transition xmlns:p14="http://schemas.microsoft.com/office/powerpoint/2010/main" spd="med" advClick="1" p14:dur="1000"/>
+  <p:transition spd="slow"/>
 </p:sld>
 </file>
 
 <file path=ppt/slides/slide13.xml><?xml version="1.0" encoding="utf-8"?>
-<p:sld xmlns:a="http://schemas.openxmlformats.org/drawingml/2006/main" xmlns:r="http://schemas.openxmlformats.org/officeDocument/2006/relationships" xmlns:p="http://schemas.openxmlformats.org/presentationml/2006/main" showMasterSp="1" showMasterPhAnim="1">
+<p:sld xmlns:a="http://schemas.openxmlformats.org/drawingml/2006/main" xmlns:r="http://schemas.openxmlformats.org/officeDocument/2006/relationships" xmlns:p="http://schemas.openxmlformats.org/presentationml/2006/main">
   <p:cSld>
     <p:spTree>
       <p:nvGrpSpPr>
@@ -3383,7 +3576,9 @@
       <p:sp>
         <p:nvSpPr>
           <p:cNvPr id="155" name="Shape 155"/>
-          <p:cNvSpPr/>
+          <p:cNvSpPr>
+            <a:spLocks noGrp="1"/>
+          </p:cNvSpPr>
           <p:nvPr>
             <p:ph type="title"/>
           </p:nvPr>
@@ -3401,7 +3596,6 @@
           <a:bodyPr/>
           <a:lstStyle/>
           <a:p>
-            <a:pPr/>
             <a:r>
               <a:t>Hypotheses:</a:t>
             </a:r>
@@ -3411,7 +3605,9 @@
       <p:sp>
         <p:nvSpPr>
           <p:cNvPr id="156" name="Shape 156"/>
-          <p:cNvSpPr/>
+          <p:cNvSpPr>
+            <a:spLocks noGrp="1"/>
+          </p:cNvSpPr>
           <p:nvPr>
             <p:ph type="body" idx="1"/>
           </p:nvPr>
@@ -3429,7 +3625,6 @@
           <a:bodyPr anchor="t"/>
           <a:lstStyle/>
           <a:p>
-            <a:pPr/>
             <a:r>
               <a:t>Assuming no changes are made to the current roster and using historical player’s data (based off of shots attempted v made, fouls, steals, blocks, etc), I am able to predict the outcome of each game for the next season thus predicting whether or not the Warriors will make it to the finals during the 2017-2018 season.</a:t>
             </a:r>
@@ -3441,12 +3636,12 @@
   <p:clrMapOvr>
     <a:masterClrMapping/>
   </p:clrMapOvr>
-  <p:transition xmlns:p14="http://schemas.microsoft.com/office/powerpoint/2010/main" spd="med" advClick="1" p14:dur="1000"/>
+  <p:transition spd="slow"/>
 </p:sld>
 </file>
 
 <file path=ppt/slides/slide2.xml><?xml version="1.0" encoding="utf-8"?>
-<p:sld xmlns:a="http://schemas.openxmlformats.org/drawingml/2006/main" xmlns:r="http://schemas.openxmlformats.org/officeDocument/2006/relationships" xmlns:p="http://schemas.openxmlformats.org/presentationml/2006/main" showMasterSp="1" showMasterPhAnim="1">
+<p:sld xmlns:a="http://schemas.openxmlformats.org/drawingml/2006/main" xmlns:r="http://schemas.openxmlformats.org/officeDocument/2006/relationships" xmlns:p="http://schemas.openxmlformats.org/presentationml/2006/main">
   <p:cSld>
     <p:spTree>
       <p:nvGrpSpPr>
@@ -3465,7 +3660,9 @@
       <p:sp>
         <p:nvSpPr>
           <p:cNvPr id="122" name="Shape 122"/>
-          <p:cNvSpPr/>
+          <p:cNvSpPr>
+            <a:spLocks noGrp="1"/>
+          </p:cNvSpPr>
           <p:nvPr>
             <p:ph type="ctrTitle"/>
           </p:nvPr>
@@ -3479,7 +3676,6 @@
           <a:bodyPr/>
           <a:lstStyle/>
           <a:p>
-            <a:pPr/>
             <a:r>
               <a:t>Product Recommendations: </a:t>
             </a:r>
@@ -3497,7 +3693,9 @@
       <p:sp>
         <p:nvSpPr>
           <p:cNvPr id="123" name="Shape 123"/>
-          <p:cNvSpPr/>
+          <p:cNvSpPr>
+            <a:spLocks noGrp="1"/>
+          </p:cNvSpPr>
           <p:nvPr>
             <p:ph type="subTitle" sz="quarter" idx="1"/>
           </p:nvPr>
@@ -3515,7 +3713,6 @@
             </a:lvl1pPr>
           </a:lstStyle>
           <a:p>
-            <a:pPr/>
             <a:r>
               <a:t>IDEA ONE</a:t>
             </a:r>
@@ -3527,12 +3724,12 @@
   <p:clrMapOvr>
     <a:masterClrMapping/>
   </p:clrMapOvr>
-  <p:transition xmlns:p14="http://schemas.microsoft.com/office/powerpoint/2010/main" spd="med" advClick="1" p14:dur="1000"/>
+  <p:transition spd="slow"/>
 </p:sld>
 </file>
 
 <file path=ppt/slides/slide3.xml><?xml version="1.0" encoding="utf-8"?>
-<p:sld xmlns:a="http://schemas.openxmlformats.org/drawingml/2006/main" xmlns:r="http://schemas.openxmlformats.org/officeDocument/2006/relationships" xmlns:p="http://schemas.openxmlformats.org/presentationml/2006/main" showMasterSp="1" showMasterPhAnim="1">
+<p:sld xmlns:a="http://schemas.openxmlformats.org/drawingml/2006/main" xmlns:r="http://schemas.openxmlformats.org/officeDocument/2006/relationships" xmlns:p="http://schemas.openxmlformats.org/presentationml/2006/main">
   <p:cSld>
     <p:spTree>
       <p:nvGrpSpPr>
@@ -3551,7 +3748,9 @@
       <p:sp>
         <p:nvSpPr>
           <p:cNvPr id="125" name="Shape 125"/>
-          <p:cNvSpPr/>
+          <p:cNvSpPr>
+            <a:spLocks noGrp="1"/>
+          </p:cNvSpPr>
           <p:nvPr>
             <p:ph type="title"/>
           </p:nvPr>
@@ -3569,7 +3768,6 @@
           <a:bodyPr anchor="t"/>
           <a:lstStyle/>
           <a:p>
-            <a:pPr/>
             <a:r>
               <a:t>The Problem: Too Many Choices</a:t>
             </a:r>
@@ -3579,7 +3777,9 @@
       <p:sp>
         <p:nvSpPr>
           <p:cNvPr id="126" name="Shape 126"/>
-          <p:cNvSpPr/>
+          <p:cNvSpPr>
+            <a:spLocks noGrp="1"/>
+          </p:cNvSpPr>
           <p:nvPr>
             <p:ph type="body" idx="1"/>
           </p:nvPr>
@@ -3645,12 +3845,12 @@
   <p:clrMapOvr>
     <a:masterClrMapping/>
   </p:clrMapOvr>
-  <p:transition xmlns:p14="http://schemas.microsoft.com/office/powerpoint/2010/main" spd="med" advClick="1" p14:dur="1000"/>
+  <p:transition spd="slow"/>
 </p:sld>
 </file>
 
 <file path=ppt/slides/slide4.xml><?xml version="1.0" encoding="utf-8"?>
-<p:sld xmlns:a="http://schemas.openxmlformats.org/drawingml/2006/main" xmlns:r="http://schemas.openxmlformats.org/officeDocument/2006/relationships" xmlns:p="http://schemas.openxmlformats.org/presentationml/2006/main" showMasterSp="1" showMasterPhAnim="1">
+<p:sld xmlns:a="http://schemas.openxmlformats.org/drawingml/2006/main" xmlns:r="http://schemas.openxmlformats.org/officeDocument/2006/relationships" xmlns:p="http://schemas.openxmlformats.org/presentationml/2006/main">
   <p:cSld>
     <p:spTree>
       <p:nvGrpSpPr>
@@ -3669,7 +3869,9 @@
       <p:sp>
         <p:nvSpPr>
           <p:cNvPr id="128" name="Shape 128"/>
-          <p:cNvSpPr/>
+          <p:cNvSpPr>
+            <a:spLocks noGrp="1"/>
+          </p:cNvSpPr>
           <p:nvPr>
             <p:ph type="title"/>
           </p:nvPr>
@@ -3687,7 +3889,6 @@
           <a:bodyPr/>
           <a:lstStyle/>
           <a:p>
-            <a:pPr/>
             <a:r>
               <a:t>The Data: Switchfly Historic Trends</a:t>
             </a:r>
@@ -3697,7 +3898,9 @@
       <p:sp>
         <p:nvSpPr>
           <p:cNvPr id="129" name="Shape 129"/>
-          <p:cNvSpPr/>
+          <p:cNvSpPr>
+            <a:spLocks noGrp="1"/>
+          </p:cNvSpPr>
           <p:nvPr>
             <p:ph type="body" idx="1"/>
           </p:nvPr>
@@ -3751,7 +3954,7 @@
             </a:r>
           </a:p>
           <a:p>
-            <a:pPr lvl="1" marL="889000" indent="-444500"/>
+            <a:pPr marL="889000" lvl="1" indent="-444500"/>
             <a:r>
               <a:t>User types involves: age, origin location, # of travelers (children, infants, adults, seniors), trip type, loyalty member, etc </a:t>
             </a:r>
@@ -3763,12 +3966,12 @@
   <p:clrMapOvr>
     <a:masterClrMapping/>
   </p:clrMapOvr>
-  <p:transition xmlns:p14="http://schemas.microsoft.com/office/powerpoint/2010/main" spd="med" advClick="1" p14:dur="1000"/>
+  <p:transition spd="slow"/>
 </p:sld>
 </file>
 
 <file path=ppt/slides/slide5.xml><?xml version="1.0" encoding="utf-8"?>
-<p:sld xmlns:a="http://schemas.openxmlformats.org/drawingml/2006/main" xmlns:r="http://schemas.openxmlformats.org/officeDocument/2006/relationships" xmlns:p="http://schemas.openxmlformats.org/presentationml/2006/main" showMasterSp="1" showMasterPhAnim="1">
+<p:sld xmlns:a="http://schemas.openxmlformats.org/drawingml/2006/main" xmlns:r="http://schemas.openxmlformats.org/officeDocument/2006/relationships" xmlns:p="http://schemas.openxmlformats.org/presentationml/2006/main">
   <p:cSld>
     <p:spTree>
       <p:nvGrpSpPr>
@@ -3787,7 +3990,9 @@
       <p:sp>
         <p:nvSpPr>
           <p:cNvPr id="131" name="Shape 131"/>
-          <p:cNvSpPr/>
+          <p:cNvSpPr>
+            <a:spLocks noGrp="1"/>
+          </p:cNvSpPr>
           <p:nvPr>
             <p:ph type="title"/>
           </p:nvPr>
@@ -3805,7 +4010,6 @@
           <a:bodyPr/>
           <a:lstStyle/>
           <a:p>
-            <a:pPr/>
             <a:r>
               <a:t>Hypotheses:</a:t>
             </a:r>
@@ -3815,7 +4019,9 @@
       <p:sp>
         <p:nvSpPr>
           <p:cNvPr id="132" name="Shape 132"/>
-          <p:cNvSpPr/>
+          <p:cNvSpPr>
+            <a:spLocks noGrp="1"/>
+          </p:cNvSpPr>
           <p:nvPr>
             <p:ph type="body" idx="1"/>
           </p:nvPr>
@@ -3833,7 +4039,6 @@
           <a:bodyPr anchor="t"/>
           <a:lstStyle/>
           <a:p>
-            <a:pPr/>
             <a:r>
               <a:t>With better understanding of “user types” based off of demographics, number of associated travelers, loyalty types, etc, I can provide better recommendations of hotels that will lead to higher conversion (purchasing) rates and/or lower drop off rates. </a:t>
             </a:r>
@@ -3845,12 +4050,12 @@
   <p:clrMapOvr>
     <a:masterClrMapping/>
   </p:clrMapOvr>
-  <p:transition xmlns:p14="http://schemas.microsoft.com/office/powerpoint/2010/main" spd="med" advClick="1" p14:dur="1000"/>
+  <p:transition spd="slow"/>
 </p:sld>
 </file>
 
 <file path=ppt/slides/slide6.xml><?xml version="1.0" encoding="utf-8"?>
-<p:sld xmlns:a="http://schemas.openxmlformats.org/drawingml/2006/main" xmlns:r="http://schemas.openxmlformats.org/officeDocument/2006/relationships" xmlns:p="http://schemas.openxmlformats.org/presentationml/2006/main" showMasterSp="1" showMasterPhAnim="1">
+<p:sld xmlns:a="http://schemas.openxmlformats.org/drawingml/2006/main" xmlns:r="http://schemas.openxmlformats.org/officeDocument/2006/relationships" xmlns:p="http://schemas.openxmlformats.org/presentationml/2006/main">
   <p:cSld>
     <p:spTree>
       <p:nvGrpSpPr>
@@ -3869,7 +4074,9 @@
       <p:sp>
         <p:nvSpPr>
           <p:cNvPr id="134" name="Shape 134"/>
-          <p:cNvSpPr/>
+          <p:cNvSpPr>
+            <a:spLocks noGrp="1"/>
+          </p:cNvSpPr>
           <p:nvPr>
             <p:ph type="ctrTitle"/>
           </p:nvPr>
@@ -3883,7 +4090,6 @@
           <a:bodyPr/>
           <a:lstStyle/>
           <a:p>
-            <a:pPr/>
             <a:r>
               <a:t>Revenue Forecasting: </a:t>
             </a:r>
@@ -3901,7 +4107,9 @@
       <p:sp>
         <p:nvSpPr>
           <p:cNvPr id="135" name="Shape 135"/>
-          <p:cNvSpPr/>
+          <p:cNvSpPr>
+            <a:spLocks noGrp="1"/>
+          </p:cNvSpPr>
           <p:nvPr>
             <p:ph type="subTitle" sz="quarter" idx="1"/>
           </p:nvPr>
@@ -3919,7 +4127,6 @@
             </a:lvl1pPr>
           </a:lstStyle>
           <a:p>
-            <a:pPr/>
             <a:r>
               <a:t>IDEA TWO</a:t>
             </a:r>
@@ -3931,12 +4138,12 @@
   <p:clrMapOvr>
     <a:masterClrMapping/>
   </p:clrMapOvr>
-  <p:transition xmlns:p14="http://schemas.microsoft.com/office/powerpoint/2010/main" spd="med" advClick="1" p14:dur="1000"/>
+  <p:transition spd="slow"/>
 </p:sld>
 </file>
 
 <file path=ppt/slides/slide7.xml><?xml version="1.0" encoding="utf-8"?>
-<p:sld xmlns:a="http://schemas.openxmlformats.org/drawingml/2006/main" xmlns:r="http://schemas.openxmlformats.org/officeDocument/2006/relationships" xmlns:p="http://schemas.openxmlformats.org/presentationml/2006/main" showMasterSp="1" showMasterPhAnim="1">
+<p:sld xmlns:a="http://schemas.openxmlformats.org/drawingml/2006/main" xmlns:r="http://schemas.openxmlformats.org/officeDocument/2006/relationships" xmlns:p="http://schemas.openxmlformats.org/presentationml/2006/main">
   <p:cSld>
     <p:spTree>
       <p:nvGrpSpPr>
@@ -3955,7 +4162,9 @@
       <p:sp>
         <p:nvSpPr>
           <p:cNvPr id="137" name="Shape 137"/>
-          <p:cNvSpPr/>
+          <p:cNvSpPr>
+            <a:spLocks noGrp="1"/>
+          </p:cNvSpPr>
           <p:nvPr>
             <p:ph type="title"/>
           </p:nvPr>
@@ -3970,14 +4179,15 @@
           </a:prstGeom>
         </p:spPr>
         <p:txBody>
-          <a:bodyPr anchor="t"/>
+          <a:bodyPr anchor="t">
+            <a:normAutofit fontScale="90000"/>
+          </a:bodyPr>
           <a:lstStyle>
             <a:lvl1pPr defTabSz="560831">
               <a:defRPr sz="4800"/>
             </a:lvl1pPr>
           </a:lstStyle>
           <a:p>
-            <a:pPr/>
             <a:r>
               <a:t>The Problem: Too Many External Factors</a:t>
             </a:r>
@@ -3987,15 +4197,17 @@
       <p:sp>
         <p:nvSpPr>
           <p:cNvPr id="138" name="Shape 138"/>
-          <p:cNvSpPr/>
+          <p:cNvSpPr>
+            <a:spLocks noGrp="1"/>
+          </p:cNvSpPr>
           <p:nvPr>
             <p:ph type="body" idx="1"/>
           </p:nvPr>
         </p:nvSpPr>
         <p:spPr>
           <a:xfrm>
-            <a:off x="952500" y="1395209"/>
-            <a:ext cx="11099800" cy="7494791"/>
+            <a:off x="952500" y="1318916"/>
+            <a:ext cx="11099800" cy="7571084"/>
           </a:xfrm>
           <a:prstGeom prst="rect">
             <a:avLst/>
@@ -4013,19 +4225,21 @@
           <a:p>
             <a:pPr marL="444500" indent="-444500"/>
             <a:r>
+              <a:rPr dirty="0"/>
               <a:t>Marketing promotions can be different year over year as well</a:t>
             </a:r>
           </a:p>
           <a:p>
             <a:pPr marL="444500" indent="-444500"/>
             <a:r>
+              <a:rPr dirty="0"/>
               <a:t>Extrapolate from a few weeks of observations of new customers to arrive at a more accurate forecast</a:t>
             </a:r>
           </a:p>
           <a:p>
             <a:pPr marL="444500" indent="-444500"/>
             <a:r>
-              <a:rPr b="1">
+              <a:rPr b="1" dirty="0">
                 <a:latin typeface="Helvetica"/>
                 <a:ea typeface="Helvetica"/>
                 <a:cs typeface="Helvetica"/>
@@ -4041,12 +4255,12 @@
   <p:clrMapOvr>
     <a:masterClrMapping/>
   </p:clrMapOvr>
-  <p:transition xmlns:p14="http://schemas.microsoft.com/office/powerpoint/2010/main" spd="med" advClick="1" p14:dur="1000"/>
+  <p:transition spd="slow"/>
 </p:sld>
 </file>
 
 <file path=ppt/slides/slide8.xml><?xml version="1.0" encoding="utf-8"?>
-<p:sld xmlns:a="http://schemas.openxmlformats.org/drawingml/2006/main" xmlns:r="http://schemas.openxmlformats.org/officeDocument/2006/relationships" xmlns:p="http://schemas.openxmlformats.org/presentationml/2006/main" showMasterSp="1" showMasterPhAnim="1">
+<p:sld xmlns:a="http://schemas.openxmlformats.org/drawingml/2006/main" xmlns:r="http://schemas.openxmlformats.org/officeDocument/2006/relationships" xmlns:p="http://schemas.openxmlformats.org/presentationml/2006/main">
   <p:cSld>
     <p:spTree>
       <p:nvGrpSpPr>
@@ -4065,7 +4279,9 @@
       <p:sp>
         <p:nvSpPr>
           <p:cNvPr id="140" name="Shape 140"/>
-          <p:cNvSpPr/>
+          <p:cNvSpPr>
+            <a:spLocks noGrp="1"/>
+          </p:cNvSpPr>
           <p:nvPr>
             <p:ph type="title"/>
           </p:nvPr>
@@ -4083,7 +4299,6 @@
           <a:bodyPr/>
           <a:lstStyle/>
           <a:p>
-            <a:pPr/>
             <a:r>
               <a:t>The Data: Switchfly Historic Trends</a:t>
             </a:r>
@@ -4093,7 +4308,9 @@
       <p:sp>
         <p:nvSpPr>
           <p:cNvPr id="141" name="Shape 141"/>
-          <p:cNvSpPr/>
+          <p:cNvSpPr>
+            <a:spLocks noGrp="1"/>
+          </p:cNvSpPr>
           <p:nvPr>
             <p:ph type="body" idx="1"/>
           </p:nvPr>
@@ -4141,7 +4358,7 @@
             </a:r>
           </a:p>
           <a:p>
-            <a:pPr lvl="1" marL="889000" indent="-444500"/>
+            <a:pPr marL="889000" lvl="1" indent="-444500"/>
             <a:r>
               <a:t>what channels are the users coming from, what is their demographics, what are they purchasing</a:t>
             </a:r>
@@ -4153,12 +4370,12 @@
   <p:clrMapOvr>
     <a:masterClrMapping/>
   </p:clrMapOvr>
-  <p:transition xmlns:p14="http://schemas.microsoft.com/office/powerpoint/2010/main" spd="med" advClick="1" p14:dur="1000"/>
+  <p:transition spd="slow"/>
 </p:sld>
 </file>
 
 <file path=ppt/slides/slide9.xml><?xml version="1.0" encoding="utf-8"?>
-<p:sld xmlns:a="http://schemas.openxmlformats.org/drawingml/2006/main" xmlns:r="http://schemas.openxmlformats.org/officeDocument/2006/relationships" xmlns:p="http://schemas.openxmlformats.org/presentationml/2006/main" showMasterSp="1" showMasterPhAnim="1">
+<p:sld xmlns:a="http://schemas.openxmlformats.org/drawingml/2006/main" xmlns:r="http://schemas.openxmlformats.org/officeDocument/2006/relationships" xmlns:p="http://schemas.openxmlformats.org/presentationml/2006/main">
   <p:cSld>
     <p:spTree>
       <p:nvGrpSpPr>
@@ -4177,7 +4394,9 @@
       <p:sp>
         <p:nvSpPr>
           <p:cNvPr id="143" name="Shape 143"/>
-          <p:cNvSpPr/>
+          <p:cNvSpPr>
+            <a:spLocks noGrp="1"/>
+          </p:cNvSpPr>
           <p:nvPr>
             <p:ph type="title"/>
           </p:nvPr>
@@ -4195,7 +4414,6 @@
           <a:bodyPr/>
           <a:lstStyle/>
           <a:p>
-            <a:pPr/>
             <a:r>
               <a:t>Hypotheses:</a:t>
             </a:r>
@@ -4205,7 +4423,9 @@
       <p:sp>
         <p:nvSpPr>
           <p:cNvPr id="144" name="Shape 144"/>
-          <p:cNvSpPr/>
+          <p:cNvSpPr>
+            <a:spLocks noGrp="1"/>
+          </p:cNvSpPr>
           <p:nvPr>
             <p:ph type="body" idx="1"/>
           </p:nvPr>
@@ -4223,19 +4443,16 @@
           <a:bodyPr anchor="t"/>
           <a:lstStyle/>
           <a:p>
-            <a:pPr/>
             <a:r>
               <a:t>With use of historical data to use as a benchmark, is it possible to use current information to create a more accurate revenue prediction</a:t>
             </a:r>
           </a:p>
           <a:p>
-            <a:pPr/>
             <a:r>
               <a:t>Historical data based off of user type (similar to previously - demographics, origin location, destination location, related number of travelers, loyalty type, etc) </a:t>
             </a:r>
           </a:p>
           <a:p>
-            <a:pPr/>
             <a:r>
               <a:t>Using historical user behaviors along with more recent user behaviors, we can predict how a user will convert in bookings/revenue, thus we will be able to forecast revenue for the next few months.</a:t>
             </a:r>
@@ -4247,12 +4464,12 @@
   <p:clrMapOvr>
     <a:masterClrMapping/>
   </p:clrMapOvr>
-  <p:transition xmlns:p14="http://schemas.microsoft.com/office/powerpoint/2010/main" spd="med" advClick="1" p14:dur="1000"/>
+  <p:transition spd="slow"/>
 </p:sld>
 </file>
 
 <file path=ppt/theme/theme1.xml><?xml version="1.0" encoding="utf-8"?>
-<a:theme xmlns:a="http://schemas.openxmlformats.org/drawingml/2006/main" xmlns:r="http://schemas.openxmlformats.org/officeDocument/2006/relationships" name="White">
+<a:theme xmlns:a="http://schemas.openxmlformats.org/drawingml/2006/main" name="White">
   <a:themeElements>
     <a:clrScheme name="White">
       <a:dk1>
@@ -4378,7 +4595,7 @@
       <a:effectStyleLst>
         <a:effectStyle>
           <a:effectLst>
-            <a:outerShdw sx="100000" sy="100000" kx="0" ky="0" algn="b" rotWithShape="0" blurRad="38100" dist="25400" dir="5400000">
+            <a:outerShdw blurRad="38100" dist="25400" dir="5400000" rotWithShape="0">
               <a:srgbClr val="000000">
                 <a:alpha val="50000"/>
               </a:srgbClr>
@@ -4387,7 +4604,7 @@
         </a:effectStyle>
         <a:effectStyle>
           <a:effectLst>
-            <a:outerShdw sx="100000" sy="100000" kx="0" ky="0" algn="b" rotWithShape="0" blurRad="50800" dist="12700" dir="0">
+            <a:outerShdw blurRad="50800" dist="12700" rotWithShape="0">
               <a:srgbClr val="000000">
                 <a:alpha val="50000"/>
               </a:srgbClr>
@@ -4396,7 +4613,7 @@
         </a:effectStyle>
         <a:effectStyle>
           <a:effectLst>
-            <a:outerShdw sx="100000" sy="100000" kx="0" ky="0" algn="b" rotWithShape="0" blurRad="38100" dist="25400" dir="5400000">
+            <a:outerShdw blurRad="38100" dist="25400" dir="5400000" rotWithShape="0">
               <a:srgbClr val="000000">
                 <a:alpha val="50000"/>
               </a:srgbClr>
@@ -4460,8 +4677,8 @@
     <a:spDef>
       <a:spPr>
         <a:blipFill rotWithShape="1">
-          <a:blip r:embed="rId1"/>
-          <a:srcRect l="0" t="0" r="0" b="0"/>
+          <a:blip xmlns:r="http://schemas.openxmlformats.org/officeDocument/2006/relationships" r:embed="rId1"/>
+          <a:srcRect/>
           <a:tile tx="0" ty="0" sx="100000" sy="100000" flip="none" algn="tl"/>
         </a:blipFill>
         <a:ln w="12700" cap="flat">
@@ -4469,7 +4686,7 @@
           <a:miter lim="400000"/>
         </a:ln>
         <a:effectLst>
-          <a:outerShdw sx="100000" sy="100000" kx="0" ky="0" algn="b" rotWithShape="0" blurRad="38100" dist="25400" dir="5400000">
+          <a:outerShdw blurRad="38100" dist="25400" dir="5400000" rotWithShape="0">
             <a:srgbClr val="000000">
               <a:alpha val="50000"/>
             </a:srgbClr>
@@ -4477,7 +4694,7 @@
         </a:effectLst>
         <a:sp3d/>
       </a:spPr>
-      <a:bodyPr rot="0" spcFirstLastPara="1" vertOverflow="overflow" horzOverflow="overflow" vert="horz" wrap="square" lIns="50800" tIns="50800" rIns="50800" bIns="50800" numCol="1" spcCol="38100" rtlCol="0" anchor="ctr" upright="0">
+      <a:bodyPr rot="0" spcFirstLastPara="1" vertOverflow="overflow" horzOverflow="overflow" vert="horz" wrap="square" lIns="50800" tIns="50800" rIns="50800" bIns="50800" numCol="1" spcCol="38100" rtlCol="0" anchor="ctr">
         <a:spAutoFit/>
       </a:bodyPr>
       <a:lstStyle>
@@ -4496,7 +4713,7 @@
           <a:buFontTx/>
           <a:buNone/>
           <a:tabLst/>
-          <a:defRPr b="0" baseline="0" cap="none" i="0" spc="0" strike="noStrike" sz="2400" u="none" kumimoji="0" normalizeH="0">
+          <a:defRPr kumimoji="0" sz="2400" b="0" i="0" u="none" strike="noStrike" cap="none" spc="0" normalizeH="0" baseline="0">
             <a:ln>
               <a:noFill/>
             </a:ln>
@@ -4526,7 +4743,7 @@
           <a:buFontTx/>
           <a:buNone/>
           <a:tabLst/>
-          <a:defRPr b="0" baseline="0" cap="none" i="0" spc="0" strike="noStrike" sz="1800" u="none" kumimoji="0" normalizeH="0">
+          <a:defRPr kumimoji="0" sz="1800" b="0" i="0" u="none" strike="noStrike" cap="none" spc="0" normalizeH="0" baseline="0">
             <a:ln>
               <a:noFill/>
             </a:ln>
@@ -4552,7 +4769,7 @@
           <a:buFontTx/>
           <a:buNone/>
           <a:tabLst/>
-          <a:defRPr b="0" baseline="0" cap="none" i="0" spc="0" strike="noStrike" sz="1800" u="none" kumimoji="0" normalizeH="0">
+          <a:defRPr kumimoji="0" sz="1800" b="0" i="0" u="none" strike="noStrike" cap="none" spc="0" normalizeH="0" baseline="0">
             <a:ln>
               <a:noFill/>
             </a:ln>
@@ -4578,7 +4795,7 @@
           <a:buFontTx/>
           <a:buNone/>
           <a:tabLst/>
-          <a:defRPr b="0" baseline="0" cap="none" i="0" spc="0" strike="noStrike" sz="1800" u="none" kumimoji="0" normalizeH="0">
+          <a:defRPr kumimoji="0" sz="1800" b="0" i="0" u="none" strike="noStrike" cap="none" spc="0" normalizeH="0" baseline="0">
             <a:ln>
               <a:noFill/>
             </a:ln>
@@ -4604,7 +4821,7 @@
           <a:buFontTx/>
           <a:buNone/>
           <a:tabLst/>
-          <a:defRPr b="0" baseline="0" cap="none" i="0" spc="0" strike="noStrike" sz="1800" u="none" kumimoji="0" normalizeH="0">
+          <a:defRPr kumimoji="0" sz="1800" b="0" i="0" u="none" strike="noStrike" cap="none" spc="0" normalizeH="0" baseline="0">
             <a:ln>
               <a:noFill/>
             </a:ln>
@@ -4630,7 +4847,7 @@
           <a:buFontTx/>
           <a:buNone/>
           <a:tabLst/>
-          <a:defRPr b="0" baseline="0" cap="none" i="0" spc="0" strike="noStrike" sz="1800" u="none" kumimoji="0" normalizeH="0">
+          <a:defRPr kumimoji="0" sz="1800" b="0" i="0" u="none" strike="noStrike" cap="none" spc="0" normalizeH="0" baseline="0">
             <a:ln>
               <a:noFill/>
             </a:ln>
@@ -4656,7 +4873,7 @@
           <a:buFontTx/>
           <a:buNone/>
           <a:tabLst/>
-          <a:defRPr b="0" baseline="0" cap="none" i="0" spc="0" strike="noStrike" sz="1800" u="none" kumimoji="0" normalizeH="0">
+          <a:defRPr kumimoji="0" sz="1800" b="0" i="0" u="none" strike="noStrike" cap="none" spc="0" normalizeH="0" baseline="0">
             <a:ln>
               <a:noFill/>
             </a:ln>
@@ -4682,7 +4899,7 @@
           <a:buFontTx/>
           <a:buNone/>
           <a:tabLst/>
-          <a:defRPr b="0" baseline="0" cap="none" i="0" spc="0" strike="noStrike" sz="1800" u="none" kumimoji="0" normalizeH="0">
+          <a:defRPr kumimoji="0" sz="1800" b="0" i="0" u="none" strike="noStrike" cap="none" spc="0" normalizeH="0" baseline="0">
             <a:ln>
               <a:noFill/>
             </a:ln>
@@ -4708,7 +4925,7 @@
           <a:buFontTx/>
           <a:buNone/>
           <a:tabLst/>
-          <a:defRPr b="0" baseline="0" cap="none" i="0" spc="0" strike="noStrike" sz="1800" u="none" kumimoji="0" normalizeH="0">
+          <a:defRPr kumimoji="0" sz="1800" b="0" i="0" u="none" strike="noStrike" cap="none" spc="0" normalizeH="0" baseline="0">
             <a:ln>
               <a:noFill/>
             </a:ln>
@@ -4734,7 +4951,7 @@
           <a:buFontTx/>
           <a:buNone/>
           <a:tabLst/>
-          <a:defRPr b="0" baseline="0" cap="none" i="0" spc="0" strike="noStrike" sz="1800" u="none" kumimoji="0" normalizeH="0">
+          <a:defRPr kumimoji="0" sz="1800" b="0" i="0" u="none" strike="noStrike" cap="none" spc="0" normalizeH="0" baseline="0">
             <a:ln>
               <a:noFill/>
             </a:ln>
@@ -4747,9 +4964,15 @@
         </a:lvl9pPr>
       </a:lstStyle>
       <a:style>
-        <a:lnRef idx="0"/>
-        <a:fillRef idx="0"/>
-        <a:effectRef idx="0"/>
+        <a:lnRef idx="0">
+          <a:scrgbClr r="0" g="0" b="0"/>
+        </a:lnRef>
+        <a:fillRef idx="0">
+          <a:scrgbClr r="0" g="0" b="0"/>
+        </a:fillRef>
+        <a:effectRef idx="0">
+          <a:scrgbClr r="0" g="0" b="0"/>
+        </a:effectRef>
         <a:fontRef idx="none"/>
       </a:style>
     </a:spDef>
@@ -4766,7 +4989,7 @@
         <a:effectLst/>
         <a:sp3d/>
       </a:spPr>
-      <a:bodyPr rot="0" spcFirstLastPara="1" vertOverflow="overflow" horzOverflow="overflow" vert="horz" wrap="square" lIns="91439" tIns="45719" rIns="91439" bIns="45719" numCol="1" spcCol="38100" rtlCol="0" anchor="t" upright="0">
+      <a:bodyPr rot="0" spcFirstLastPara="1" vertOverflow="overflow" horzOverflow="overflow" vert="horz" wrap="square" lIns="91439" tIns="45719" rIns="91439" bIns="45719" numCol="1" spcCol="38100" rtlCol="0" anchor="t">
         <a:noAutofit/>
       </a:bodyPr>
       <a:lstStyle>
@@ -4785,7 +5008,7 @@
           <a:buFontTx/>
           <a:buNone/>
           <a:tabLst/>
-          <a:defRPr b="0" baseline="0" cap="none" i="0" spc="0" strike="noStrike" sz="1800" u="none" kumimoji="0" normalizeH="0">
+          <a:defRPr kumimoji="0" sz="1800" b="0" i="0" u="none" strike="noStrike" cap="none" spc="0" normalizeH="0" baseline="0">
             <a:ln>
               <a:noFill/>
             </a:ln>
@@ -4811,7 +5034,7 @@
           <a:buFontTx/>
           <a:buNone/>
           <a:tabLst/>
-          <a:defRPr b="0" baseline="0" cap="none" i="0" spc="0" strike="noStrike" sz="1800" u="none" kumimoji="0" normalizeH="0">
+          <a:defRPr kumimoji="0" sz="1800" b="0" i="0" u="none" strike="noStrike" cap="none" spc="0" normalizeH="0" baseline="0">
             <a:ln>
               <a:noFill/>
             </a:ln>
@@ -4837,7 +5060,7 @@
           <a:buFontTx/>
           <a:buNone/>
           <a:tabLst/>
-          <a:defRPr b="0" baseline="0" cap="none" i="0" spc="0" strike="noStrike" sz="1800" u="none" kumimoji="0" normalizeH="0">
+          <a:defRPr kumimoji="0" sz="1800" b="0" i="0" u="none" strike="noStrike" cap="none" spc="0" normalizeH="0" baseline="0">
             <a:ln>
               <a:noFill/>
             </a:ln>
@@ -4863,7 +5086,7 @@
           <a:buFontTx/>
           <a:buNone/>
           <a:tabLst/>
-          <a:defRPr b="0" baseline="0" cap="none" i="0" spc="0" strike="noStrike" sz="1800" u="none" kumimoji="0" normalizeH="0">
+          <a:defRPr kumimoji="0" sz="1800" b="0" i="0" u="none" strike="noStrike" cap="none" spc="0" normalizeH="0" baseline="0">
             <a:ln>
               <a:noFill/>
             </a:ln>
@@ -4889,7 +5112,7 @@
           <a:buFontTx/>
           <a:buNone/>
           <a:tabLst/>
-          <a:defRPr b="0" baseline="0" cap="none" i="0" spc="0" strike="noStrike" sz="1800" u="none" kumimoji="0" normalizeH="0">
+          <a:defRPr kumimoji="0" sz="1800" b="0" i="0" u="none" strike="noStrike" cap="none" spc="0" normalizeH="0" baseline="0">
             <a:ln>
               <a:noFill/>
             </a:ln>
@@ -4915,7 +5138,7 @@
           <a:buFontTx/>
           <a:buNone/>
           <a:tabLst/>
-          <a:defRPr b="0" baseline="0" cap="none" i="0" spc="0" strike="noStrike" sz="1800" u="none" kumimoji="0" normalizeH="0">
+          <a:defRPr kumimoji="0" sz="1800" b="0" i="0" u="none" strike="noStrike" cap="none" spc="0" normalizeH="0" baseline="0">
             <a:ln>
               <a:noFill/>
             </a:ln>
@@ -4941,7 +5164,7 @@
           <a:buFontTx/>
           <a:buNone/>
           <a:tabLst/>
-          <a:defRPr b="0" baseline="0" cap="none" i="0" spc="0" strike="noStrike" sz="1800" u="none" kumimoji="0" normalizeH="0">
+          <a:defRPr kumimoji="0" sz="1800" b="0" i="0" u="none" strike="noStrike" cap="none" spc="0" normalizeH="0" baseline="0">
             <a:ln>
               <a:noFill/>
             </a:ln>
@@ -4967,7 +5190,7 @@
           <a:buFontTx/>
           <a:buNone/>
           <a:tabLst/>
-          <a:defRPr b="0" baseline="0" cap="none" i="0" spc="0" strike="noStrike" sz="1800" u="none" kumimoji="0" normalizeH="0">
+          <a:defRPr kumimoji="0" sz="1800" b="0" i="0" u="none" strike="noStrike" cap="none" spc="0" normalizeH="0" baseline="0">
             <a:ln>
               <a:noFill/>
             </a:ln>
@@ -4993,7 +5216,7 @@
           <a:buFontTx/>
           <a:buNone/>
           <a:tabLst/>
-          <a:defRPr b="0" baseline="0" cap="none" i="0" spc="0" strike="noStrike" sz="1800" u="none" kumimoji="0" normalizeH="0">
+          <a:defRPr kumimoji="0" sz="1800" b="0" i="0" u="none" strike="noStrike" cap="none" spc="0" normalizeH="0" baseline="0">
             <a:ln>
               <a:noFill/>
             </a:ln>
@@ -5019,7 +5242,7 @@
           <a:buFontTx/>
           <a:buNone/>
           <a:tabLst/>
-          <a:defRPr b="0" baseline="0" cap="none" i="0" spc="0" strike="noStrike" sz="1800" u="none" kumimoji="0" normalizeH="0">
+          <a:defRPr kumimoji="0" sz="1800" b="0" i="0" u="none" strike="noStrike" cap="none" spc="0" normalizeH="0" baseline="0">
             <a:ln>
               <a:noFill/>
             </a:ln>
@@ -5032,9 +5255,15 @@
         </a:lvl9pPr>
       </a:lstStyle>
       <a:style>
-        <a:lnRef idx="0"/>
-        <a:fillRef idx="0"/>
-        <a:effectRef idx="0"/>
+        <a:lnRef idx="0">
+          <a:scrgbClr r="0" g="0" b="0"/>
+        </a:lnRef>
+        <a:fillRef idx="0">
+          <a:scrgbClr r="0" g="0" b="0"/>
+        </a:fillRef>
+        <a:effectRef idx="0">
+          <a:scrgbClr r="0" g="0" b="0"/>
+        </a:effectRef>
         <a:fontRef idx="none"/>
       </a:style>
     </a:lnDef>
@@ -5048,7 +5277,7 @@
         <a:effectLst/>
         <a:sp3d/>
       </a:spPr>
-      <a:bodyPr rot="0" spcFirstLastPara="1" vertOverflow="overflow" horzOverflow="overflow" vert="horz" wrap="square" lIns="50800" tIns="50800" rIns="50800" bIns="50800" numCol="1" spcCol="38100" rtlCol="0" anchor="ctr" upright="0">
+      <a:bodyPr rot="0" spcFirstLastPara="1" vertOverflow="overflow" horzOverflow="overflow" vert="horz" wrap="square" lIns="50800" tIns="50800" rIns="50800" bIns="50800" numCol="1" spcCol="38100" rtlCol="0" anchor="ctr">
         <a:spAutoFit/>
       </a:bodyPr>
       <a:lstStyle>
@@ -5067,7 +5296,7 @@
           <a:buFontTx/>
           <a:buNone/>
           <a:tabLst/>
-          <a:defRPr b="0" baseline="0" cap="none" i="0" spc="0" strike="noStrike" sz="3600" u="none" kumimoji="0" normalizeH="0">
+          <a:defRPr kumimoji="0" sz="3600" b="0" i="0" u="none" strike="noStrike" cap="none" spc="0" normalizeH="0" baseline="0">
             <a:ln>
               <a:noFill/>
             </a:ln>
@@ -5097,7 +5326,7 @@
           <a:buFontTx/>
           <a:buNone/>
           <a:tabLst/>
-          <a:defRPr b="0" baseline="0" cap="none" i="0" spc="0" strike="noStrike" sz="1800" u="none" kumimoji="0" normalizeH="0">
+          <a:defRPr kumimoji="0" sz="1800" b="0" i="0" u="none" strike="noStrike" cap="none" spc="0" normalizeH="0" baseline="0">
             <a:ln>
               <a:noFill/>
             </a:ln>
@@ -5123,7 +5352,7 @@
           <a:buFontTx/>
           <a:buNone/>
           <a:tabLst/>
-          <a:defRPr b="0" baseline="0" cap="none" i="0" spc="0" strike="noStrike" sz="1800" u="none" kumimoji="0" normalizeH="0">
+          <a:defRPr kumimoji="0" sz="1800" b="0" i="0" u="none" strike="noStrike" cap="none" spc="0" normalizeH="0" baseline="0">
             <a:ln>
               <a:noFill/>
             </a:ln>
@@ -5149,7 +5378,7 @@
           <a:buFontTx/>
           <a:buNone/>
           <a:tabLst/>
-          <a:defRPr b="0" baseline="0" cap="none" i="0" spc="0" strike="noStrike" sz="1800" u="none" kumimoji="0" normalizeH="0">
+          <a:defRPr kumimoji="0" sz="1800" b="0" i="0" u="none" strike="noStrike" cap="none" spc="0" normalizeH="0" baseline="0">
             <a:ln>
               <a:noFill/>
             </a:ln>
@@ -5175,7 +5404,7 @@
           <a:buFontTx/>
           <a:buNone/>
           <a:tabLst/>
-          <a:defRPr b="0" baseline="0" cap="none" i="0" spc="0" strike="noStrike" sz="1800" u="none" kumimoji="0" normalizeH="0">
+          <a:defRPr kumimoji="0" sz="1800" b="0" i="0" u="none" strike="noStrike" cap="none" spc="0" normalizeH="0" baseline="0">
             <a:ln>
               <a:noFill/>
             </a:ln>
@@ -5201,7 +5430,7 @@
           <a:buFontTx/>
           <a:buNone/>
           <a:tabLst/>
-          <a:defRPr b="0" baseline="0" cap="none" i="0" spc="0" strike="noStrike" sz="1800" u="none" kumimoji="0" normalizeH="0">
+          <a:defRPr kumimoji="0" sz="1800" b="0" i="0" u="none" strike="noStrike" cap="none" spc="0" normalizeH="0" baseline="0">
             <a:ln>
               <a:noFill/>
             </a:ln>
@@ -5227,7 +5456,7 @@
           <a:buFontTx/>
           <a:buNone/>
           <a:tabLst/>
-          <a:defRPr b="0" baseline="0" cap="none" i="0" spc="0" strike="noStrike" sz="1800" u="none" kumimoji="0" normalizeH="0">
+          <a:defRPr kumimoji="0" sz="1800" b="0" i="0" u="none" strike="noStrike" cap="none" spc="0" normalizeH="0" baseline="0">
             <a:ln>
               <a:noFill/>
             </a:ln>
@@ -5253,7 +5482,7 @@
           <a:buFontTx/>
           <a:buNone/>
           <a:tabLst/>
-          <a:defRPr b="0" baseline="0" cap="none" i="0" spc="0" strike="noStrike" sz="1800" u="none" kumimoji="0" normalizeH="0">
+          <a:defRPr kumimoji="0" sz="1800" b="0" i="0" u="none" strike="noStrike" cap="none" spc="0" normalizeH="0" baseline="0">
             <a:ln>
               <a:noFill/>
             </a:ln>
@@ -5279,7 +5508,7 @@
           <a:buFontTx/>
           <a:buNone/>
           <a:tabLst/>
-          <a:defRPr b="0" baseline="0" cap="none" i="0" spc="0" strike="noStrike" sz="1800" u="none" kumimoji="0" normalizeH="0">
+          <a:defRPr kumimoji="0" sz="1800" b="0" i="0" u="none" strike="noStrike" cap="none" spc="0" normalizeH="0" baseline="0">
             <a:ln>
               <a:noFill/>
             </a:ln>
@@ -5305,7 +5534,7 @@
           <a:buFontTx/>
           <a:buNone/>
           <a:tabLst/>
-          <a:defRPr b="0" baseline="0" cap="none" i="0" spc="0" strike="noStrike" sz="1800" u="none" kumimoji="0" normalizeH="0">
+          <a:defRPr kumimoji="0" sz="1800" b="0" i="0" u="none" strike="noStrike" cap="none" spc="0" normalizeH="0" baseline="0">
             <a:ln>
               <a:noFill/>
             </a:ln>
@@ -5318,18 +5547,25 @@
         </a:lvl9pPr>
       </a:lstStyle>
       <a:style>
-        <a:lnRef idx="0"/>
-        <a:fillRef idx="0"/>
-        <a:effectRef idx="0"/>
+        <a:lnRef idx="0">
+          <a:scrgbClr r="0" g="0" b="0"/>
+        </a:lnRef>
+        <a:fillRef idx="0">
+          <a:scrgbClr r="0" g="0" b="0"/>
+        </a:fillRef>
+        <a:effectRef idx="0">
+          <a:scrgbClr r="0" g="0" b="0"/>
+        </a:effectRef>
         <a:fontRef idx="none"/>
       </a:style>
     </a:txDef>
   </a:objectDefaults>
+  <a:extraClrSchemeLst/>
 </a:theme>
 </file>
 
 <file path=ppt/theme/theme2.xml><?xml version="1.0" encoding="utf-8"?>
-<a:theme xmlns:a="http://schemas.openxmlformats.org/drawingml/2006/main" xmlns:r="http://schemas.openxmlformats.org/officeDocument/2006/relationships" name="White">
+<a:theme xmlns:a="http://schemas.openxmlformats.org/drawingml/2006/main" name="White">
   <a:themeElements>
     <a:clrScheme name="White">
       <a:dk1>
@@ -5455,7 +5691,7 @@
       <a:effectStyleLst>
         <a:effectStyle>
           <a:effectLst>
-            <a:outerShdw sx="100000" sy="100000" kx="0" ky="0" algn="b" rotWithShape="0" blurRad="38100" dist="25400" dir="5400000">
+            <a:outerShdw blurRad="38100" dist="25400" dir="5400000" rotWithShape="0">
               <a:srgbClr val="000000">
                 <a:alpha val="50000"/>
               </a:srgbClr>
@@ -5464,7 +5700,7 @@
         </a:effectStyle>
         <a:effectStyle>
           <a:effectLst>
-            <a:outerShdw sx="100000" sy="100000" kx="0" ky="0" algn="b" rotWithShape="0" blurRad="50800" dist="12700" dir="0">
+            <a:outerShdw blurRad="50800" dist="12700" rotWithShape="0">
               <a:srgbClr val="000000">
                 <a:alpha val="50000"/>
               </a:srgbClr>
@@ -5473,7 +5709,7 @@
         </a:effectStyle>
         <a:effectStyle>
           <a:effectLst>
-            <a:outerShdw sx="100000" sy="100000" kx="0" ky="0" algn="b" rotWithShape="0" blurRad="38100" dist="25400" dir="5400000">
+            <a:outerShdw blurRad="38100" dist="25400" dir="5400000" rotWithShape="0">
               <a:srgbClr val="000000">
                 <a:alpha val="50000"/>
               </a:srgbClr>
@@ -5537,8 +5773,8 @@
     <a:spDef>
       <a:spPr>
         <a:blipFill rotWithShape="1">
-          <a:blip r:embed="rId1"/>
-          <a:srcRect l="0" t="0" r="0" b="0"/>
+          <a:blip xmlns:r="http://schemas.openxmlformats.org/officeDocument/2006/relationships" r:embed="rId1"/>
+          <a:srcRect/>
           <a:tile tx="0" ty="0" sx="100000" sy="100000" flip="none" algn="tl"/>
         </a:blipFill>
         <a:ln w="12700" cap="flat">
@@ -5546,7 +5782,7 @@
           <a:miter lim="400000"/>
         </a:ln>
         <a:effectLst>
-          <a:outerShdw sx="100000" sy="100000" kx="0" ky="0" algn="b" rotWithShape="0" blurRad="38100" dist="25400" dir="5400000">
+          <a:outerShdw blurRad="38100" dist="25400" dir="5400000" rotWithShape="0">
             <a:srgbClr val="000000">
               <a:alpha val="50000"/>
             </a:srgbClr>
@@ -5554,7 +5790,7 @@
         </a:effectLst>
         <a:sp3d/>
       </a:spPr>
-      <a:bodyPr rot="0" spcFirstLastPara="1" vertOverflow="overflow" horzOverflow="overflow" vert="horz" wrap="square" lIns="50800" tIns="50800" rIns="50800" bIns="50800" numCol="1" spcCol="38100" rtlCol="0" anchor="ctr" upright="0">
+      <a:bodyPr rot="0" spcFirstLastPara="1" vertOverflow="overflow" horzOverflow="overflow" vert="horz" wrap="square" lIns="50800" tIns="50800" rIns="50800" bIns="50800" numCol="1" spcCol="38100" rtlCol="0" anchor="ctr">
         <a:spAutoFit/>
       </a:bodyPr>
       <a:lstStyle>
@@ -5573,7 +5809,7 @@
           <a:buFontTx/>
           <a:buNone/>
           <a:tabLst/>
-          <a:defRPr b="0" baseline="0" cap="none" i="0" spc="0" strike="noStrike" sz="2400" u="none" kumimoji="0" normalizeH="0">
+          <a:defRPr kumimoji="0" sz="2400" b="0" i="0" u="none" strike="noStrike" cap="none" spc="0" normalizeH="0" baseline="0">
             <a:ln>
               <a:noFill/>
             </a:ln>
@@ -5603,7 +5839,7 @@
           <a:buFontTx/>
           <a:buNone/>
           <a:tabLst/>
-          <a:defRPr b="0" baseline="0" cap="none" i="0" spc="0" strike="noStrike" sz="1800" u="none" kumimoji="0" normalizeH="0">
+          <a:defRPr kumimoji="0" sz="1800" b="0" i="0" u="none" strike="noStrike" cap="none" spc="0" normalizeH="0" baseline="0">
             <a:ln>
               <a:noFill/>
             </a:ln>
@@ -5629,7 +5865,7 @@
           <a:buFontTx/>
           <a:buNone/>
           <a:tabLst/>
-          <a:defRPr b="0" baseline="0" cap="none" i="0" spc="0" strike="noStrike" sz="1800" u="none" kumimoji="0" normalizeH="0">
+          <a:defRPr kumimoji="0" sz="1800" b="0" i="0" u="none" strike="noStrike" cap="none" spc="0" normalizeH="0" baseline="0">
             <a:ln>
               <a:noFill/>
             </a:ln>
@@ -5655,7 +5891,7 @@
           <a:buFontTx/>
           <a:buNone/>
           <a:tabLst/>
-          <a:defRPr b="0" baseline="0" cap="none" i="0" spc="0" strike="noStrike" sz="1800" u="none" kumimoji="0" normalizeH="0">
+          <a:defRPr kumimoji="0" sz="1800" b="0" i="0" u="none" strike="noStrike" cap="none" spc="0" normalizeH="0" baseline="0">
             <a:ln>
               <a:noFill/>
             </a:ln>
@@ -5681,7 +5917,7 @@
           <a:buFontTx/>
           <a:buNone/>
           <a:tabLst/>
-          <a:defRPr b="0" baseline="0" cap="none" i="0" spc="0" strike="noStrike" sz="1800" u="none" kumimoji="0" normalizeH="0">
+          <a:defRPr kumimoji="0" sz="1800" b="0" i="0" u="none" strike="noStrike" cap="none" spc="0" normalizeH="0" baseline="0">
             <a:ln>
               <a:noFill/>
             </a:ln>
@@ -5707,7 +5943,7 @@
           <a:buFontTx/>
           <a:buNone/>
           <a:tabLst/>
-          <a:defRPr b="0" baseline="0" cap="none" i="0" spc="0" strike="noStrike" sz="1800" u="none" kumimoji="0" normalizeH="0">
+          <a:defRPr kumimoji="0" sz="1800" b="0" i="0" u="none" strike="noStrike" cap="none" spc="0" normalizeH="0" baseline="0">
             <a:ln>
               <a:noFill/>
             </a:ln>
@@ -5733,7 +5969,7 @@
           <a:buFontTx/>
           <a:buNone/>
           <a:tabLst/>
-          <a:defRPr b="0" baseline="0" cap="none" i="0" spc="0" strike="noStrike" sz="1800" u="none" kumimoji="0" normalizeH="0">
+          <a:defRPr kumimoji="0" sz="1800" b="0" i="0" u="none" strike="noStrike" cap="none" spc="0" normalizeH="0" baseline="0">
             <a:ln>
               <a:noFill/>
             </a:ln>
@@ -5759,7 +5995,7 @@
           <a:buFontTx/>
           <a:buNone/>
           <a:tabLst/>
-          <a:defRPr b="0" baseline="0" cap="none" i="0" spc="0" strike="noStrike" sz="1800" u="none" kumimoji="0" normalizeH="0">
+          <a:defRPr kumimoji="0" sz="1800" b="0" i="0" u="none" strike="noStrike" cap="none" spc="0" normalizeH="0" baseline="0">
             <a:ln>
               <a:noFill/>
             </a:ln>
@@ -5785,7 +6021,7 @@
           <a:buFontTx/>
           <a:buNone/>
           <a:tabLst/>
-          <a:defRPr b="0" baseline="0" cap="none" i="0" spc="0" strike="noStrike" sz="1800" u="none" kumimoji="0" normalizeH="0">
+          <a:defRPr kumimoji="0" sz="1800" b="0" i="0" u="none" strike="noStrike" cap="none" spc="0" normalizeH="0" baseline="0">
             <a:ln>
               <a:noFill/>
             </a:ln>
@@ -5811,7 +6047,7 @@
           <a:buFontTx/>
           <a:buNone/>
           <a:tabLst/>
-          <a:defRPr b="0" baseline="0" cap="none" i="0" spc="0" strike="noStrike" sz="1800" u="none" kumimoji="0" normalizeH="0">
+          <a:defRPr kumimoji="0" sz="1800" b="0" i="0" u="none" strike="noStrike" cap="none" spc="0" normalizeH="0" baseline="0">
             <a:ln>
               <a:noFill/>
             </a:ln>
@@ -5824,9 +6060,15 @@
         </a:lvl9pPr>
       </a:lstStyle>
       <a:style>
-        <a:lnRef idx="0"/>
-        <a:fillRef idx="0"/>
-        <a:effectRef idx="0"/>
+        <a:lnRef idx="0">
+          <a:scrgbClr r="0" g="0" b="0"/>
+        </a:lnRef>
+        <a:fillRef idx="0">
+          <a:scrgbClr r="0" g="0" b="0"/>
+        </a:fillRef>
+        <a:effectRef idx="0">
+          <a:scrgbClr r="0" g="0" b="0"/>
+        </a:effectRef>
         <a:fontRef idx="none"/>
       </a:style>
     </a:spDef>
@@ -5843,7 +6085,7 @@
         <a:effectLst/>
         <a:sp3d/>
       </a:spPr>
-      <a:bodyPr rot="0" spcFirstLastPara="1" vertOverflow="overflow" horzOverflow="overflow" vert="horz" wrap="square" lIns="91439" tIns="45719" rIns="91439" bIns="45719" numCol="1" spcCol="38100" rtlCol="0" anchor="t" upright="0">
+      <a:bodyPr rot="0" spcFirstLastPara="1" vertOverflow="overflow" horzOverflow="overflow" vert="horz" wrap="square" lIns="91439" tIns="45719" rIns="91439" bIns="45719" numCol="1" spcCol="38100" rtlCol="0" anchor="t">
         <a:noAutofit/>
       </a:bodyPr>
       <a:lstStyle>
@@ -5862,7 +6104,7 @@
           <a:buFontTx/>
           <a:buNone/>
           <a:tabLst/>
-          <a:defRPr b="0" baseline="0" cap="none" i="0" spc="0" strike="noStrike" sz="1800" u="none" kumimoji="0" normalizeH="0">
+          <a:defRPr kumimoji="0" sz="1800" b="0" i="0" u="none" strike="noStrike" cap="none" spc="0" normalizeH="0" baseline="0">
             <a:ln>
               <a:noFill/>
             </a:ln>
@@ -5888,7 +6130,7 @@
           <a:buFontTx/>
           <a:buNone/>
           <a:tabLst/>
-          <a:defRPr b="0" baseline="0" cap="none" i="0" spc="0" strike="noStrike" sz="1800" u="none" kumimoji="0" normalizeH="0">
+          <a:defRPr kumimoji="0" sz="1800" b="0" i="0" u="none" strike="noStrike" cap="none" spc="0" normalizeH="0" baseline="0">
             <a:ln>
               <a:noFill/>
             </a:ln>
@@ -5914,7 +6156,7 @@
           <a:buFontTx/>
           <a:buNone/>
           <a:tabLst/>
-          <a:defRPr b="0" baseline="0" cap="none" i="0" spc="0" strike="noStrike" sz="1800" u="none" kumimoji="0" normalizeH="0">
+          <a:defRPr kumimoji="0" sz="1800" b="0" i="0" u="none" strike="noStrike" cap="none" spc="0" normalizeH="0" baseline="0">
             <a:ln>
               <a:noFill/>
             </a:ln>
@@ -5940,7 +6182,7 @@
           <a:buFontTx/>
           <a:buNone/>
           <a:tabLst/>
-          <a:defRPr b="0" baseline="0" cap="none" i="0" spc="0" strike="noStrike" sz="1800" u="none" kumimoji="0" normalizeH="0">
+          <a:defRPr kumimoji="0" sz="1800" b="0" i="0" u="none" strike="noStrike" cap="none" spc="0" normalizeH="0" baseline="0">
             <a:ln>
               <a:noFill/>
             </a:ln>
@@ -5966,7 +6208,7 @@
           <a:buFontTx/>
           <a:buNone/>
           <a:tabLst/>
-          <a:defRPr b="0" baseline="0" cap="none" i="0" spc="0" strike="noStrike" sz="1800" u="none" kumimoji="0" normalizeH="0">
+          <a:defRPr kumimoji="0" sz="1800" b="0" i="0" u="none" strike="noStrike" cap="none" spc="0" normalizeH="0" baseline="0">
             <a:ln>
               <a:noFill/>
             </a:ln>
@@ -5992,7 +6234,7 @@
           <a:buFontTx/>
           <a:buNone/>
           <a:tabLst/>
-          <a:defRPr b="0" baseline="0" cap="none" i="0" spc="0" strike="noStrike" sz="1800" u="none" kumimoji="0" normalizeH="0">
+          <a:defRPr kumimoji="0" sz="1800" b="0" i="0" u="none" strike="noStrike" cap="none" spc="0" normalizeH="0" baseline="0">
             <a:ln>
               <a:noFill/>
             </a:ln>
@@ -6018,7 +6260,7 @@
           <a:buFontTx/>
           <a:buNone/>
           <a:tabLst/>
-          <a:defRPr b="0" baseline="0" cap="none" i="0" spc="0" strike="noStrike" sz="1800" u="none" kumimoji="0" normalizeH="0">
+          <a:defRPr kumimoji="0" sz="1800" b="0" i="0" u="none" strike="noStrike" cap="none" spc="0" normalizeH="0" baseline="0">
             <a:ln>
               <a:noFill/>
             </a:ln>
@@ -6044,7 +6286,7 @@
           <a:buFontTx/>
           <a:buNone/>
           <a:tabLst/>
-          <a:defRPr b="0" baseline="0" cap="none" i="0" spc="0" strike="noStrike" sz="1800" u="none" kumimoji="0" normalizeH="0">
+          <a:defRPr kumimoji="0" sz="1800" b="0" i="0" u="none" strike="noStrike" cap="none" spc="0" normalizeH="0" baseline="0">
             <a:ln>
               <a:noFill/>
             </a:ln>
@@ -6070,7 +6312,7 @@
           <a:buFontTx/>
           <a:buNone/>
           <a:tabLst/>
-          <a:defRPr b="0" baseline="0" cap="none" i="0" spc="0" strike="noStrike" sz="1800" u="none" kumimoji="0" normalizeH="0">
+          <a:defRPr kumimoji="0" sz="1800" b="0" i="0" u="none" strike="noStrike" cap="none" spc="0" normalizeH="0" baseline="0">
             <a:ln>
               <a:noFill/>
             </a:ln>
@@ -6096,7 +6338,7 @@
           <a:buFontTx/>
           <a:buNone/>
           <a:tabLst/>
-          <a:defRPr b="0" baseline="0" cap="none" i="0" spc="0" strike="noStrike" sz="1800" u="none" kumimoji="0" normalizeH="0">
+          <a:defRPr kumimoji="0" sz="1800" b="0" i="0" u="none" strike="noStrike" cap="none" spc="0" normalizeH="0" baseline="0">
             <a:ln>
               <a:noFill/>
             </a:ln>
@@ -6109,9 +6351,15 @@
         </a:lvl9pPr>
       </a:lstStyle>
       <a:style>
-        <a:lnRef idx="0"/>
-        <a:fillRef idx="0"/>
-        <a:effectRef idx="0"/>
+        <a:lnRef idx="0">
+          <a:scrgbClr r="0" g="0" b="0"/>
+        </a:lnRef>
+        <a:fillRef idx="0">
+          <a:scrgbClr r="0" g="0" b="0"/>
+        </a:fillRef>
+        <a:effectRef idx="0">
+          <a:scrgbClr r="0" g="0" b="0"/>
+        </a:effectRef>
         <a:fontRef idx="none"/>
       </a:style>
     </a:lnDef>
@@ -6125,7 +6373,7 @@
         <a:effectLst/>
         <a:sp3d/>
       </a:spPr>
-      <a:bodyPr rot="0" spcFirstLastPara="1" vertOverflow="overflow" horzOverflow="overflow" vert="horz" wrap="square" lIns="50800" tIns="50800" rIns="50800" bIns="50800" numCol="1" spcCol="38100" rtlCol="0" anchor="ctr" upright="0">
+      <a:bodyPr rot="0" spcFirstLastPara="1" vertOverflow="overflow" horzOverflow="overflow" vert="horz" wrap="square" lIns="50800" tIns="50800" rIns="50800" bIns="50800" numCol="1" spcCol="38100" rtlCol="0" anchor="ctr">
         <a:spAutoFit/>
       </a:bodyPr>
       <a:lstStyle>
@@ -6144,7 +6392,7 @@
           <a:buFontTx/>
           <a:buNone/>
           <a:tabLst/>
-          <a:defRPr b="0" baseline="0" cap="none" i="0" spc="0" strike="noStrike" sz="3600" u="none" kumimoji="0" normalizeH="0">
+          <a:defRPr kumimoji="0" sz="3600" b="0" i="0" u="none" strike="noStrike" cap="none" spc="0" normalizeH="0" baseline="0">
             <a:ln>
               <a:noFill/>
             </a:ln>
@@ -6174,7 +6422,7 @@
           <a:buFontTx/>
           <a:buNone/>
           <a:tabLst/>
-          <a:defRPr b="0" baseline="0" cap="none" i="0" spc="0" strike="noStrike" sz="1800" u="none" kumimoji="0" normalizeH="0">
+          <a:defRPr kumimoji="0" sz="1800" b="0" i="0" u="none" strike="noStrike" cap="none" spc="0" normalizeH="0" baseline="0">
             <a:ln>
               <a:noFill/>
             </a:ln>
@@ -6200,7 +6448,7 @@
           <a:buFontTx/>
           <a:buNone/>
           <a:tabLst/>
-          <a:defRPr b="0" baseline="0" cap="none" i="0" spc="0" strike="noStrike" sz="1800" u="none" kumimoji="0" normalizeH="0">
+          <a:defRPr kumimoji="0" sz="1800" b="0" i="0" u="none" strike="noStrike" cap="none" spc="0" normalizeH="0" baseline="0">
             <a:ln>
               <a:noFill/>
             </a:ln>
@@ -6226,7 +6474,7 @@
           <a:buFontTx/>
           <a:buNone/>
           <a:tabLst/>
-          <a:defRPr b="0" baseline="0" cap="none" i="0" spc="0" strike="noStrike" sz="1800" u="none" kumimoji="0" normalizeH="0">
+          <a:defRPr kumimoji="0" sz="1800" b="0" i="0" u="none" strike="noStrike" cap="none" spc="0" normalizeH="0" baseline="0">
             <a:ln>
               <a:noFill/>
             </a:ln>
@@ -6252,7 +6500,7 @@
           <a:buFontTx/>
           <a:buNone/>
           <a:tabLst/>
-          <a:defRPr b="0" baseline="0" cap="none" i="0" spc="0" strike="noStrike" sz="1800" u="none" kumimoji="0" normalizeH="0">
+          <a:defRPr kumimoji="0" sz="1800" b="0" i="0" u="none" strike="noStrike" cap="none" spc="0" normalizeH="0" baseline="0">
             <a:ln>
               <a:noFill/>
             </a:ln>
@@ -6278,7 +6526,7 @@
           <a:buFontTx/>
           <a:buNone/>
           <a:tabLst/>
-          <a:defRPr b="0" baseline="0" cap="none" i="0" spc="0" strike="noStrike" sz="1800" u="none" kumimoji="0" normalizeH="0">
+          <a:defRPr kumimoji="0" sz="1800" b="0" i="0" u="none" strike="noStrike" cap="none" spc="0" normalizeH="0" baseline="0">
             <a:ln>
               <a:noFill/>
             </a:ln>
@@ -6304,7 +6552,7 @@
           <a:buFontTx/>
           <a:buNone/>
           <a:tabLst/>
-          <a:defRPr b="0" baseline="0" cap="none" i="0" spc="0" strike="noStrike" sz="1800" u="none" kumimoji="0" normalizeH="0">
+          <a:defRPr kumimoji="0" sz="1800" b="0" i="0" u="none" strike="noStrike" cap="none" spc="0" normalizeH="0" baseline="0">
             <a:ln>
               <a:noFill/>
             </a:ln>
@@ -6330,7 +6578,7 @@
           <a:buFontTx/>
           <a:buNone/>
           <a:tabLst/>
-          <a:defRPr b="0" baseline="0" cap="none" i="0" spc="0" strike="noStrike" sz="1800" u="none" kumimoji="0" normalizeH="0">
+          <a:defRPr kumimoji="0" sz="1800" b="0" i="0" u="none" strike="noStrike" cap="none" spc="0" normalizeH="0" baseline="0">
             <a:ln>
               <a:noFill/>
             </a:ln>
@@ -6356,7 +6604,7 @@
           <a:buFontTx/>
           <a:buNone/>
           <a:tabLst/>
-          <a:defRPr b="0" baseline="0" cap="none" i="0" spc="0" strike="noStrike" sz="1800" u="none" kumimoji="0" normalizeH="0">
+          <a:defRPr kumimoji="0" sz="1800" b="0" i="0" u="none" strike="noStrike" cap="none" spc="0" normalizeH="0" baseline="0">
             <a:ln>
               <a:noFill/>
             </a:ln>
@@ -6382,7 +6630,7 @@
           <a:buFontTx/>
           <a:buNone/>
           <a:tabLst/>
-          <a:defRPr b="0" baseline="0" cap="none" i="0" spc="0" strike="noStrike" sz="1800" u="none" kumimoji="0" normalizeH="0">
+          <a:defRPr kumimoji="0" sz="1800" b="0" i="0" u="none" strike="noStrike" cap="none" spc="0" normalizeH="0" baseline="0">
             <a:ln>
               <a:noFill/>
             </a:ln>
@@ -6395,12 +6643,19 @@
         </a:lvl9pPr>
       </a:lstStyle>
       <a:style>
-        <a:lnRef idx="0"/>
-        <a:fillRef idx="0"/>
-        <a:effectRef idx="0"/>
+        <a:lnRef idx="0">
+          <a:scrgbClr r="0" g="0" b="0"/>
+        </a:lnRef>
+        <a:fillRef idx="0">
+          <a:scrgbClr r="0" g="0" b="0"/>
+        </a:fillRef>
+        <a:effectRef idx="0">
+          <a:scrgbClr r="0" g="0" b="0"/>
+        </a:effectRef>
         <a:fontRef idx="none"/>
       </a:style>
     </a:txDef>
   </a:objectDefaults>
+  <a:extraClrSchemeLst/>
 </a:theme>
 </file>